--- a/static/leroy.pptx
+++ b/static/leroy.pptx
@@ -1,12 +1,13 @@
 
 <file path=ppt/presentation.xml><?xml version="1.0" encoding="utf-8"?>
-<p:presentation xmlns:a="http://schemas.openxmlformats.org/drawingml/2006/main" xmlns:r="http://schemas.openxmlformats.org/officeDocument/2006/relationships" xmlns:p="http://schemas.openxmlformats.org/presentationml/2006/main" saveSubsetFonts="1">
+<p:presentation xmlns:a="http://schemas.openxmlformats.org/drawingml/2006/main" xmlns:r="http://schemas.openxmlformats.org/officeDocument/2006/relationships" xmlns:p="http://schemas.openxmlformats.org/presentationml/2006/main">
   <p:sldMasterIdLst>
-    <p:sldMasterId id="2147483648" r:id="rId1"/>
+    <p:sldMasterId id="2147483743" r:id="rId1"/>
   </p:sldMasterIdLst>
   <p:sldIdLst>
     <p:sldId id="256" r:id="rId6"/>
     <p:sldId id="257" r:id="rId7"/>
+    <p:sldId id="258" r:id="rId8"/>
   </p:sldIdLst>
   <p:sldSz cx="12192000" cy="6858000"/>
   <p:notesSz cx="6858000" cy="9144000"/>
@@ -113,134 +114,9 @@
 </p:presentation>
 </file>
 
-<file path=ppt/charts/chart1.xml><?xml version="1.0" encoding="utf-8"?>
-<c:chartSpace xmlns:c="http://schemas.openxmlformats.org/drawingml/2006/chart" xmlns:a="http://schemas.openxmlformats.org/drawingml/2006/main" xmlns:r="http://schemas.openxmlformats.org/officeDocument/2006/relationships">
-  <c:date1904 val="0"/>
-  <c:chart>
-    <c:autoTitleDeleted val="0"/>
-    <c:plotArea>
-      <c:barChart>
-        <c:barDir val="col"/>
-        <c:grouping val="clustered"/>
-        <c:ser>
-          <c:idx val="0"/>
-          <c:order val="0"/>
-          <c:tx>
-            <c:strRef>
-              <c:f>Sheet1!$B$1</c:f>
-              <c:strCache>
-                <c:ptCount val="1"/>
-                <c:pt idx="0">
-                  <c:v>Series 1</c:v>
-                </c:pt>
-              </c:strCache>
-            </c:strRef>
-          </c:tx>
-          <c:cat>
-            <c:strRef>
-              <c:f>Sheet1!$A$2:$A$4</c:f>
-              <c:strCache>
-                <c:ptCount val="3"/>
-                <c:pt idx="0">
-                  <c:v>india</c:v>
-                </c:pt>
-                <c:pt idx="1">
-                  <c:v>china</c:v>
-                </c:pt>
-                <c:pt idx="2">
-                  <c:v>america</c:v>
-                </c:pt>
-              </c:strCache>
-            </c:strRef>
-          </c:cat>
-          <c:val>
-            <c:numRef>
-              <c:f>Sheet1!$B$2:$B$4</c:f>
-              <c:numCache>
-                <c:formatCode>General</c:formatCode>
-                <c:ptCount val="3"/>
-                <c:pt idx="0">
-                  <c:v>30</c:v>
-                </c:pt>
-                <c:pt idx="1">
-                  <c:v>40</c:v>
-                </c:pt>
-                <c:pt idx="2">
-                  <c:v>60</c:v>
-                </c:pt>
-              </c:numCache>
-            </c:numRef>
-          </c:val>
-        </c:ser>
-        <c:axId val="-2068027336"/>
-        <c:axId val="-2113994440"/>
-      </c:barChart>
-      <c:catAx>
-        <c:axId val="-2068027336"/>
-        <c:scaling>
-          <c:orientation val="minMax"/>
-        </c:scaling>
-        <c:delete val="0"/>
-        <c:axPos val="b"/>
-        <c:majorTickMark val="out"/>
-        <c:minorTickMark val="none"/>
-        <c:tickLblPos val="nextTo"/>
-        <c:crossAx val="-2113994440"/>
-        <c:crosses val="autoZero"/>
-        <c:auto val="1"/>
-        <c:lblAlgn val="ctr"/>
-        <c:lblOffset val="100"/>
-        <c:noMultiLvlLbl val="0"/>
-      </c:catAx>
-      <c:valAx>
-        <c:axId val="-2113994440"/>
-        <c:scaling/>
-        <c:delete val="0"/>
-        <c:axPos val="l"/>
-        <c:majorGridlines/>
-        <c:majorTickMark val="out"/>
-        <c:minorTickMark val="none"/>
-        <c:tickLblPos val="nextTo"/>
-        <c:crossAx val="-2068027336"/>
-        <c:crosses val="autoZero"/>
-      </c:valAx>
-    </c:plotArea>
-    <c:dispBlanksAs val="gap"/>
-  </c:chart>
-  <c:txPr>
-    <a:bodyPr/>
-    <a:lstStyle/>
-    <a:p>
-      <a:pPr>
-        <a:defRPr sz="1800"/>
-      </a:pPr>
-      <a:endParaRPr lang="en-US"/>
-    </a:p>
-  </c:txPr>
-  <c:externalData r:id="rId1">
-    <c:autoUpdate val="0"/>
-  </c:externalData>
-</c:chartSpace>
-</file>
-
 <file path=ppt/slideLayouts/slideLayout1.xml><?xml version="1.0" encoding="utf-8"?>
-<p:sldLayout xmlns:a="http://schemas.openxmlformats.org/drawingml/2006/main" xmlns:r="http://schemas.openxmlformats.org/officeDocument/2006/relationships" xmlns:p="http://schemas.openxmlformats.org/presentationml/2006/main" type="title" preserve="1">
+<p:sldLayout xmlns:a="http://schemas.openxmlformats.org/drawingml/2006/main" xmlns:r="http://schemas.openxmlformats.org/officeDocument/2006/relationships" xmlns:p="http://schemas.openxmlformats.org/presentationml/2006/main" showMasterSp="0" type="title" preserve="1">
   <p:cSld name="Title Slide">
-    <p:bg>
-      <p:bgPr>
-        <a:blipFill dpi="0" rotWithShape="1">
-          <a:blip r:embed="rId2">
-            <a:alphaModFix amt="82000"/>
-            <a:lum/>
-          </a:blip>
-          <a:srcRect/>
-          <a:stretch>
-            <a:fillRect/>
-          </a:stretch>
-        </a:blipFill>
-        <a:effectLst/>
-      </p:bgPr>
-    </p:bg>
     <p:spTree>
       <p:nvGrpSpPr>
         <p:cNvPr id="1" name=""/>
@@ -255,6 +131,303 @@
           <a:chExt cx="0" cy="0"/>
         </a:xfrm>
       </p:grpSpPr>
+      <p:pic>
+        <p:nvPicPr>
+          <p:cNvPr id="7" name="Picture 6" descr="Brickwork-HD-R1a.jpg"/>
+          <p:cNvPicPr>
+            <a:picLocks noChangeAspect="1"/>
+          </p:cNvPicPr>
+          <p:nvPr/>
+        </p:nvPicPr>
+        <p:blipFill>
+          <a:blip r:embed="rId2">
+            <a:extLst>
+              <a:ext uri="{28A0092B-C50C-407E-A947-70E740481C1C}">
+                <a14:useLocalDpi xmlns:a14="http://schemas.microsoft.com/office/drawing/2010/main" val="0"/>
+              </a:ext>
+            </a:extLst>
+          </a:blip>
+          <a:stretch>
+            <a:fillRect/>
+          </a:stretch>
+        </p:blipFill>
+        <p:spPr>
+          <a:xfrm>
+            <a:off x="0" y="0"/>
+            <a:ext cx="12192000" cy="6858000"/>
+          </a:xfrm>
+          <a:prstGeom prst="rect">
+            <a:avLst/>
+          </a:prstGeom>
+        </p:spPr>
+      </p:pic>
+      <p:sp useBgFill="1">
+        <p:nvSpPr>
+          <p:cNvPr id="12" name="Freeform 11"/>
+          <p:cNvSpPr/>
+          <p:nvPr/>
+        </p:nvSpPr>
+        <p:spPr>
+          <a:xfrm>
+            <a:off x="-15875" y="0"/>
+            <a:ext cx="11683810" cy="6588125"/>
+          </a:xfrm>
+          <a:custGeom>
+            <a:avLst/>
+            <a:gdLst/>
+            <a:ahLst/>
+            <a:cxnLst/>
+            <a:rect l="l" t="t" r="r" b="b"/>
+            <a:pathLst>
+              <a:path w="11683810" h="6588125">
+                <a:moveTo>
+                  <a:pt x="0" y="0"/>
+                </a:moveTo>
+                <a:lnTo>
+                  <a:pt x="11318691" y="0"/>
+                </a:lnTo>
+                <a:lnTo>
+                  <a:pt x="11683810" y="5976938"/>
+                </a:lnTo>
+                <a:lnTo>
+                  <a:pt x="15875" y="6588125"/>
+                </a:lnTo>
+                <a:cubicBezTo>
+                  <a:pt x="10583" y="4386792"/>
+                  <a:pt x="5292" y="2185458"/>
+                  <a:pt x="0" y="0"/>
+                </a:cubicBezTo>
+                <a:close/>
+              </a:path>
+            </a:pathLst>
+          </a:custGeom>
+          <a:ln>
+            <a:noFill/>
+          </a:ln>
+          <a:effectLst>
+            <a:outerShdw blurRad="101600" dist="152400" dir="4380000" algn="tl" rotWithShape="0">
+              <a:srgbClr val="000000">
+                <a:alpha val="43000"/>
+              </a:srgbClr>
+            </a:outerShdw>
+          </a:effectLst>
+        </p:spPr>
+        <p:style>
+          <a:lnRef idx="1">
+            <a:schemeClr val="accent1"/>
+          </a:lnRef>
+          <a:fillRef idx="3">
+            <a:schemeClr val="accent1"/>
+          </a:fillRef>
+          <a:effectRef idx="2">
+            <a:schemeClr val="accent1"/>
+          </a:effectRef>
+          <a:fontRef idx="minor">
+            <a:schemeClr val="lt1"/>
+          </a:fontRef>
+        </p:style>
+      </p:sp>
+      <p:sp>
+        <p:nvSpPr>
+          <p:cNvPr id="14" name="Freeform 13"/>
+          <p:cNvSpPr/>
+          <p:nvPr userDrawn="1"/>
+        </p:nvSpPr>
+        <p:spPr>
+          <a:xfrm>
+            <a:off x="0" y="4282257"/>
+            <a:ext cx="11329257" cy="2028845"/>
+          </a:xfrm>
+          <a:custGeom>
+            <a:avLst/>
+            <a:gdLst/>
+            <a:ahLst/>
+            <a:cxnLst/>
+            <a:rect l="l" t="t" r="r" b="b"/>
+            <a:pathLst>
+              <a:path w="11329257" h="2028845">
+                <a:moveTo>
+                  <a:pt x="0" y="588520"/>
+                </a:moveTo>
+                <a:lnTo>
+                  <a:pt x="11244075" y="0"/>
+                </a:lnTo>
+                <a:lnTo>
+                  <a:pt x="11329257" y="1424838"/>
+                </a:lnTo>
+                <a:lnTo>
+                  <a:pt x="0" y="2028845"/>
+                </a:lnTo>
+                <a:lnTo>
+                  <a:pt x="0" y="588520"/>
+                </a:lnTo>
+                <a:close/>
+              </a:path>
+            </a:pathLst>
+          </a:custGeom>
+          <a:gradFill flip="none" rotWithShape="1">
+            <a:gsLst>
+              <a:gs pos="34000">
+                <a:schemeClr val="accent1"/>
+              </a:gs>
+              <a:gs pos="100000">
+                <a:schemeClr val="accent1">
+                  <a:lumMod val="50000"/>
+                </a:schemeClr>
+              </a:gs>
+            </a:gsLst>
+            <a:path path="circle">
+              <a:fillToRect l="50000" t="50000" r="50000" b="50000"/>
+            </a:path>
+            <a:tileRect/>
+          </a:gradFill>
+          <a:ln>
+            <a:noFill/>
+          </a:ln>
+        </p:spPr>
+        <p:style>
+          <a:lnRef idx="1">
+            <a:schemeClr val="accent1"/>
+          </a:lnRef>
+          <a:fillRef idx="3">
+            <a:schemeClr val="accent1"/>
+          </a:fillRef>
+          <a:effectRef idx="2">
+            <a:schemeClr val="accent1"/>
+          </a:effectRef>
+          <a:fontRef idx="minor">
+            <a:schemeClr val="lt1"/>
+          </a:fontRef>
+        </p:style>
+      </p:sp>
+      <p:sp>
+        <p:nvSpPr>
+          <p:cNvPr id="26" name="Freeform 25"/>
+          <p:cNvSpPr/>
+          <p:nvPr/>
+        </p:nvSpPr>
+        <p:spPr>
+          <a:xfrm>
+            <a:off x="0" y="0"/>
+            <a:ext cx="8719579" cy="456877"/>
+          </a:xfrm>
+          <a:custGeom>
+            <a:avLst/>
+            <a:gdLst/>
+            <a:ahLst/>
+            <a:cxnLst/>
+            <a:rect l="l" t="t" r="r" b="b"/>
+            <a:pathLst>
+              <a:path w="8719579" h="456877">
+                <a:moveTo>
+                  <a:pt x="0" y="0"/>
+                </a:moveTo>
+                <a:lnTo>
+                  <a:pt x="8719579" y="0"/>
+                </a:lnTo>
+                <a:lnTo>
+                  <a:pt x="0" y="456877"/>
+                </a:lnTo>
+                <a:lnTo>
+                  <a:pt x="0" y="0"/>
+                </a:lnTo>
+                <a:close/>
+              </a:path>
+            </a:pathLst>
+          </a:custGeom>
+          <a:gradFill flip="none" rotWithShape="1">
+            <a:gsLst>
+              <a:gs pos="34000">
+                <a:schemeClr val="accent1"/>
+              </a:gs>
+              <a:gs pos="100000">
+                <a:schemeClr val="accent1">
+                  <a:lumMod val="50000"/>
+                </a:schemeClr>
+              </a:gs>
+            </a:gsLst>
+            <a:path path="circle">
+              <a:fillToRect l="50000" t="50000" r="50000" b="50000"/>
+            </a:path>
+            <a:tileRect/>
+          </a:gradFill>
+          <a:ln>
+            <a:noFill/>
+          </a:ln>
+        </p:spPr>
+        <p:style>
+          <a:lnRef idx="1">
+            <a:schemeClr val="accent1"/>
+          </a:lnRef>
+          <a:fillRef idx="3">
+            <a:schemeClr val="accent1"/>
+          </a:fillRef>
+          <a:effectRef idx="2">
+            <a:schemeClr val="accent1"/>
+          </a:effectRef>
+          <a:fontRef idx="minor">
+            <a:schemeClr val="lt1"/>
+          </a:fontRef>
+        </p:style>
+      </p:sp>
+      <p:sp>
+        <p:nvSpPr>
+          <p:cNvPr id="15" name="Freeform 14"/>
+          <p:cNvSpPr/>
+          <p:nvPr/>
+        </p:nvSpPr>
+        <p:spPr>
+          <a:xfrm rot="21420000">
+            <a:off x="-161800" y="293317"/>
+            <a:ext cx="11367116" cy="5751804"/>
+          </a:xfrm>
+          <a:custGeom>
+            <a:avLst/>
+            <a:gdLst/>
+            <a:ahLst/>
+            <a:cxnLst/>
+            <a:rect l="l" t="t" r="r" b="b"/>
+            <a:pathLst>
+              <a:path w="11367116" h="5751804">
+                <a:moveTo>
+                  <a:pt x="11346705" y="0"/>
+                </a:moveTo>
+                <a:cubicBezTo>
+                  <a:pt x="11353509" y="1915114"/>
+                  <a:pt x="11360312" y="3830229"/>
+                  <a:pt x="11367116" y="5745343"/>
+                </a:cubicBezTo>
+                <a:lnTo>
+                  <a:pt x="0" y="5751804"/>
+                </a:lnTo>
+              </a:path>
+            </a:pathLst>
+          </a:custGeom>
+          <a:ln w="82550">
+            <a:solidFill>
+              <a:schemeClr val="tx1">
+                <a:lumMod val="50000"/>
+                <a:lumOff val="50000"/>
+              </a:schemeClr>
+            </a:solidFill>
+            <a:miter lim="800000"/>
+          </a:ln>
+        </p:spPr>
+        <p:style>
+          <a:lnRef idx="2">
+            <a:schemeClr val="accent1"/>
+          </a:lnRef>
+          <a:fillRef idx="0">
+            <a:schemeClr val="accent1"/>
+          </a:fillRef>
+          <a:effectRef idx="1">
+            <a:schemeClr val="accent1"/>
+          </a:effectRef>
+          <a:fontRef idx="minor">
+            <a:schemeClr val="tx1"/>
+          </a:fontRef>
+        </p:style>
+      </p:sp>
       <p:sp>
         <p:nvSpPr>
           <p:cNvPr id="2" name="Title 1"/>
@@ -266,24 +439,26 @@
           </p:nvPr>
         </p:nvSpPr>
         <p:spPr>
-          <a:xfrm>
-            <a:off x="1524000" y="433995"/>
-            <a:ext cx="9144000" cy="1333160"/>
-          </a:xfrm>
-        </p:spPr>
-        <p:txBody>
-          <a:bodyPr anchor="b"/>
+          <a:xfrm rot="21420000">
+            <a:off x="891201" y="662656"/>
+            <a:ext cx="9755187" cy="2766528"/>
+          </a:xfrm>
+        </p:spPr>
+        <p:txBody>
+          <a:bodyPr anchor="b">
+            <a:normAutofit/>
+          </a:bodyPr>
           <a:lstStyle>
-            <a:lvl1pPr algn="ctr">
-              <a:defRPr sz="6000"/>
+            <a:lvl1pPr algn="r">
+              <a:defRPr sz="8000"/>
             </a:lvl1pPr>
           </a:lstStyle>
           <a:p>
             <a:r>
-              <a:rPr lang="en-US"/>
+              <a:rPr lang="en-US" smtClean="0"/>
               <a:t>Click to edit Master title style</a:t>
             </a:r>
-            <a:endParaRPr lang="en-IN"/>
+            <a:endParaRPr lang="en-US" dirty="0"/>
           </a:p>
         </p:txBody>
       </p:sp>
@@ -298,17 +473,25 @@
           </p:nvPr>
         </p:nvSpPr>
         <p:spPr>
-          <a:xfrm>
-            <a:off x="1524000" y="2348590"/>
-            <a:ext cx="9144000" cy="1956281"/>
-          </a:xfrm>
-        </p:spPr>
-        <p:txBody>
-          <a:bodyPr/>
+          <a:xfrm rot="21420000">
+            <a:off x="983062" y="3505209"/>
+            <a:ext cx="9755187" cy="550333"/>
+          </a:xfrm>
+        </p:spPr>
+        <p:txBody>
+          <a:bodyPr anchor="t">
+            <a:noAutofit/>
+          </a:bodyPr>
           <a:lstStyle>
-            <a:lvl1pPr marL="0" indent="0" algn="ctr">
-              <a:buNone/>
-              <a:defRPr sz="2400"/>
+            <a:lvl1pPr marL="0" indent="0" algn="r">
+              <a:buNone/>
+              <a:defRPr sz="2800">
+                <a:solidFill>
+                  <a:schemeClr val="bg1">
+                    <a:lumMod val="50000"/>
+                  </a:schemeClr>
+                </a:solidFill>
+              </a:defRPr>
             </a:lvl1pPr>
             <a:lvl2pPr marL="457200" indent="0" algn="ctr">
               <a:buNone/>
@@ -345,52 +528,10 @@
           </a:lstStyle>
           <a:p>
             <a:r>
-              <a:rPr lang="en-US"/>
+              <a:rPr lang="en-US" smtClean="0"/>
               <a:t>Click to edit Master subtitle style</a:t>
             </a:r>
-            <a:endParaRPr lang="en-IN"/>
-          </a:p>
-        </p:txBody>
-      </p:sp>
-      <p:sp>
-        <p:nvSpPr>
-          <p:cNvPr id="4" name="Date Placeholder 3"/>
-          <p:cNvSpPr>
-            <a:spLocks noGrp="1"/>
-          </p:cNvSpPr>
-          <p:nvPr>
-            <p:ph type="dt" sz="half" idx="10"/>
-          </p:nvPr>
-        </p:nvSpPr>
-        <p:spPr/>
-        <p:txBody>
-          <a:bodyPr/>
-          <a:lstStyle/>
-          <a:p>
-            <a:fld id="{AD297C59-FAA3-46F7-9C05-BDDE7360587E}" type="datetimeFigureOut">
-              <a:rPr lang="en-IN" smtClean="0"/>
-              <a:t>13-06-2021</a:t>
-            </a:fld>
-            <a:endParaRPr lang="en-IN"/>
-          </a:p>
-        </p:txBody>
-      </p:sp>
-      <p:sp>
-        <p:nvSpPr>
-          <p:cNvPr id="5" name="Footer Placeholder 4"/>
-          <p:cNvSpPr>
-            <a:spLocks noGrp="1"/>
-          </p:cNvSpPr>
-          <p:nvPr>
-            <p:ph type="ftr" sz="quarter" idx="11"/>
-          </p:nvPr>
-        </p:nvSpPr>
-        <p:spPr/>
-        <p:txBody>
-          <a:bodyPr/>
-          <a:lstStyle/>
-          <a:p>
-            <a:endParaRPr lang="en-IN"/>
+            <a:endParaRPr lang="en-US" dirty="0"/>
           </a:p>
         </p:txBody>
       </p:sp>
@@ -404,23 +545,81 @@
             <p:ph type="sldNum" sz="quarter" idx="12"/>
           </p:nvPr>
         </p:nvSpPr>
-        <p:spPr/>
-        <p:txBody>
-          <a:bodyPr/>
-          <a:lstStyle/>
-          <a:p>
-            <a:fld id="{6B26FFDB-5C59-430C-B756-0C546AF38021}" type="slidenum">
-              <a:rPr lang="en-IN" smtClean="0"/>
+        <p:spPr>
+          <a:xfrm rot="21420000">
+            <a:off x="9851758" y="3832648"/>
+            <a:ext cx="907186" cy="498470"/>
+          </a:xfrm>
+        </p:spPr>
+        <p:txBody>
+          <a:bodyPr/>
+          <a:lstStyle>
+            <a:lvl1pPr>
+              <a:defRPr sz="2400">
+                <a:solidFill>
+                  <a:schemeClr val="tx1">
+                    <a:lumMod val="75000"/>
+                    <a:lumOff val="25000"/>
+                  </a:schemeClr>
+                </a:solidFill>
+              </a:defRPr>
+            </a:lvl1pPr>
+          </a:lstStyle>
+          <a:p>
+            <a:fld id="{9B618960-8005-486C-9A75-10CB2AAC16F9}" type="slidenum">
+              <a:rPr lang="en-US" smtClean="0"/>
               <a:t>‹#›</a:t>
             </a:fld>
-            <a:endParaRPr lang="en-IN"/>
-          </a:p>
-        </p:txBody>
+            <a:endParaRPr lang="en-US"/>
+          </a:p>
+        </p:txBody>
+      </p:sp>
+      <p:sp>
+        <p:nvSpPr>
+          <p:cNvPr id="25" name="5-Point Star 24"/>
+          <p:cNvSpPr/>
+          <p:nvPr/>
+        </p:nvSpPr>
+        <p:spPr>
+          <a:xfrm rot="21420000">
+            <a:off x="4221385" y="5111356"/>
+            <a:ext cx="515386" cy="515386"/>
+          </a:xfrm>
+          <a:prstGeom prst="star5">
+            <a:avLst>
+              <a:gd name="adj" fmla="val 26693"/>
+              <a:gd name="hf" fmla="val 105146"/>
+              <a:gd name="vf" fmla="val 110557"/>
+            </a:avLst>
+          </a:prstGeom>
+          <a:solidFill>
+            <a:schemeClr val="tx1">
+              <a:alpha val="40000"/>
+            </a:schemeClr>
+          </a:solidFill>
+          <a:ln>
+            <a:noFill/>
+          </a:ln>
+        </p:spPr>
+        <p:style>
+          <a:lnRef idx="1">
+            <a:schemeClr val="accent1"/>
+          </a:lnRef>
+          <a:fillRef idx="3">
+            <a:schemeClr val="accent1"/>
+          </a:fillRef>
+          <a:effectRef idx="2">
+            <a:schemeClr val="accent1"/>
+          </a:effectRef>
+          <a:fontRef idx="minor">
+            <a:schemeClr val="lt1"/>
+          </a:fontRef>
+        </p:style>
       </p:sp>
     </p:spTree>
     <p:extLst>
       <p:ext uri="{BB962C8B-B14F-4D97-AF65-F5344CB8AC3E}">
-        <p14:creationId xmlns:p14="http://schemas.microsoft.com/office/powerpoint/2010/main" val="954259744"/>
+        <p14:creationId xmlns:p14="http://schemas.microsoft.com/office/powerpoint/2010/main" val="448128427"/>
       </p:ext>
     </p:extLst>
   </p:cSld>
@@ -457,27 +656,54 @@
             <p:ph type="title"/>
           </p:nvPr>
         </p:nvSpPr>
+        <p:spPr>
+          <a:xfrm>
+            <a:off x="838200" y="315930"/>
+            <a:ext cx="10396882" cy="1151965"/>
+          </a:xfrm>
+        </p:spPr>
+        <p:txBody>
+          <a:bodyPr/>
+          <a:lstStyle/>
+          <a:p>
+            <a:r>
+              <a:rPr lang="en-US" dirty="0"/>
+              <a:t>Click to edit Master title style</a:t>
+            </a:r>
+          </a:p>
+        </p:txBody>
+      </p:sp>
+      <p:sp>
+        <p:nvSpPr>
+          <p:cNvPr id="4" name="Date Placeholder 3"/>
+          <p:cNvSpPr>
+            <a:spLocks noGrp="1"/>
+          </p:cNvSpPr>
+          <p:nvPr>
+            <p:ph type="dt" sz="half" idx="10"/>
+          </p:nvPr>
+        </p:nvSpPr>
         <p:spPr/>
         <p:txBody>
           <a:bodyPr/>
           <a:lstStyle/>
           <a:p>
-            <a:r>
-              <a:rPr lang="en-US"/>
-              <a:t>Click to edit Master title style</a:t>
-            </a:r>
-            <a:endParaRPr lang="en-IN"/>
-          </a:p>
-        </p:txBody>
-      </p:sp>
-      <p:sp>
-        <p:nvSpPr>
-          <p:cNvPr id="4" name="Date Placeholder 3"/>
-          <p:cNvSpPr>
-            <a:spLocks noGrp="1"/>
-          </p:cNvSpPr>
-          <p:nvPr>
-            <p:ph type="dt" sz="half" idx="10"/>
+            <a:fld id="{63A1C593-65D0-4073-BCC9-577B9352EA97}" type="datetimeFigureOut">
+              <a:rPr lang="en-US" smtClean="0"/>
+              <a:t>6/30/2021</a:t>
+            </a:fld>
+            <a:endParaRPr lang="en-US"/>
+          </a:p>
+        </p:txBody>
+      </p:sp>
+      <p:sp>
+        <p:nvSpPr>
+          <p:cNvPr id="5" name="Footer Placeholder 4"/>
+          <p:cNvSpPr>
+            <a:spLocks noGrp="1"/>
+          </p:cNvSpPr>
+          <p:nvPr>
+            <p:ph type="ftr" sz="quarter" idx="11"/>
           </p:nvPr>
         </p:nvSpPr>
         <p:spPr/>
@@ -485,22 +711,18 @@
           <a:bodyPr/>
           <a:lstStyle/>
           <a:p>
-            <a:fld id="{AD297C59-FAA3-46F7-9C05-BDDE7360587E}" type="datetimeFigureOut">
-              <a:rPr lang="en-IN" smtClean="0"/>
-              <a:t>13-06-2021</a:t>
-            </a:fld>
-            <a:endParaRPr lang="en-IN"/>
-          </a:p>
-        </p:txBody>
-      </p:sp>
-      <p:sp>
-        <p:nvSpPr>
-          <p:cNvPr id="5" name="Footer Placeholder 4"/>
-          <p:cNvSpPr>
-            <a:spLocks noGrp="1"/>
-          </p:cNvSpPr>
-          <p:nvPr>
-            <p:ph type="ftr" sz="quarter" idx="11"/>
+            <a:endParaRPr lang="en-US"/>
+          </a:p>
+        </p:txBody>
+      </p:sp>
+      <p:sp>
+        <p:nvSpPr>
+          <p:cNvPr id="6" name="Slide Number Placeholder 5"/>
+          <p:cNvSpPr>
+            <a:spLocks noGrp="1"/>
+          </p:cNvSpPr>
+          <p:nvPr>
+            <p:ph type="sldNum" sz="quarter" idx="12"/>
           </p:nvPr>
         </p:nvSpPr>
         <p:spPr/>
@@ -508,36 +730,17 @@
           <a:bodyPr/>
           <a:lstStyle/>
           <a:p>
-            <a:endParaRPr lang="en-IN"/>
-          </a:p>
-        </p:txBody>
-      </p:sp>
-      <p:sp>
-        <p:nvSpPr>
-          <p:cNvPr id="6" name="Slide Number Placeholder 5"/>
-          <p:cNvSpPr>
-            <a:spLocks noGrp="1"/>
-          </p:cNvSpPr>
-          <p:nvPr>
-            <p:ph type="sldNum" sz="quarter" idx="12"/>
-          </p:nvPr>
-        </p:nvSpPr>
-        <p:spPr/>
-        <p:txBody>
-          <a:bodyPr/>
-          <a:lstStyle/>
-          <a:p>
-            <a:fld id="{6B26FFDB-5C59-430C-B756-0C546AF38021}" type="slidenum">
-              <a:rPr lang="en-IN" smtClean="0"/>
+            <a:fld id="{9B618960-8005-486C-9A75-10CB2AAC16F9}" type="slidenum">
+              <a:rPr lang="en-US" smtClean="0"/>
               <a:t>‹#›</a:t>
             </a:fld>
-            <a:endParaRPr lang="en-IN"/>
-          </a:p>
-        </p:txBody>
-      </p:sp>
-      <p:sp>
-        <p:nvSpPr>
-          <p:cNvPr id="8" name="Text Placeholder 7"/>
+            <a:endParaRPr lang="en-US"/>
+          </a:p>
+        </p:txBody>
+      </p:sp>
+      <p:sp>
+        <p:nvSpPr>
+          <p:cNvPr id="7" name="Text Placeholder 6"/>
           <p:cNvSpPr>
             <a:spLocks noGrp="1"/>
           </p:cNvSpPr>
@@ -547,8 +750,8 @@
         </p:nvSpPr>
         <p:spPr>
           <a:xfrm>
-            <a:off x="838200" y="1905000"/>
-            <a:ext cx="10515600" cy="4064000"/>
+            <a:off x="838200" y="1792288"/>
+            <a:ext cx="10515600" cy="4392612"/>
           </a:xfrm>
         </p:spPr>
         <p:txBody>
@@ -595,13 +798,20 @@
     </p:spTree>
     <p:extLst>
       <p:ext uri="{BB962C8B-B14F-4D97-AF65-F5344CB8AC3E}">
-        <p14:creationId xmlns:p14="http://schemas.microsoft.com/office/powerpoint/2010/main" val="985975244"/>
+        <p14:creationId xmlns:p14="http://schemas.microsoft.com/office/powerpoint/2010/main" val="1195680141"/>
       </p:ext>
     </p:extLst>
   </p:cSld>
   <p:clrMapOvr>
     <a:masterClrMapping/>
   </p:clrMapOvr>
+  <p:timing>
+    <p:tnLst>
+      <p:par>
+        <p:cTn id="1" dur="indefinite" restart="never" nodeType="tmRoot"/>
+      </p:par>
+    </p:tnLst>
+  </p:timing>
 </p:sldLayout>
 </file>
 
@@ -632,21 +842,15 @@
             <p:ph type="title"/>
           </p:nvPr>
         </p:nvSpPr>
-        <p:spPr>
-          <a:xfrm>
-            <a:off x="838200" y="365125"/>
-            <a:ext cx="10515600" cy="1152525"/>
-          </a:xfrm>
-        </p:spPr>
-        <p:txBody>
-          <a:bodyPr/>
-          <a:lstStyle/>
-          <a:p>
-            <a:r>
-              <a:rPr lang="en-US"/>
+        <p:spPr/>
+        <p:txBody>
+          <a:bodyPr/>
+          <a:lstStyle/>
+          <a:p>
+            <a:r>
+              <a:rPr lang="en-US" dirty="0"/>
               <a:t>Click to edit Master title style</a:t>
             </a:r>
-            <a:endParaRPr lang="en-IN"/>
           </a:p>
         </p:txBody>
       </p:sp>
@@ -665,11 +869,11 @@
           <a:bodyPr/>
           <a:lstStyle/>
           <a:p>
-            <a:fld id="{AD297C59-FAA3-46F7-9C05-BDDE7360587E}" type="datetimeFigureOut">
-              <a:rPr lang="en-IN" smtClean="0"/>
-              <a:t>13-06-2021</a:t>
+            <a:fld id="{63A1C593-65D0-4073-BCC9-577B9352EA97}" type="datetimeFigureOut">
+              <a:rPr lang="en-US" smtClean="0"/>
+              <a:t>6/30/2021</a:t>
             </a:fld>
-            <a:endParaRPr lang="en-IN"/>
+            <a:endParaRPr lang="en-US"/>
           </a:p>
         </p:txBody>
       </p:sp>
@@ -688,7 +892,7 @@
           <a:bodyPr/>
           <a:lstStyle/>
           <a:p>
-            <a:endParaRPr lang="en-IN"/>
+            <a:endParaRPr lang="en-US"/>
           </a:p>
         </p:txBody>
       </p:sp>
@@ -707,28 +911,85 @@
           <a:bodyPr/>
           <a:lstStyle/>
           <a:p>
-            <a:fld id="{6B26FFDB-5C59-430C-B756-0C546AF38021}" type="slidenum">
-              <a:rPr lang="en-IN" smtClean="0"/>
+            <a:fld id="{9B618960-8005-486C-9A75-10CB2AAC16F9}" type="slidenum">
+              <a:rPr lang="en-US" smtClean="0"/>
               <a:t>‹#›</a:t>
             </a:fld>
+            <a:endParaRPr lang="en-US"/>
+          </a:p>
+        </p:txBody>
+      </p:sp>
+      <p:sp>
+        <p:nvSpPr>
+          <p:cNvPr id="9" name="Text Placeholder 8"/>
+          <p:cNvSpPr>
+            <a:spLocks noGrp="1"/>
+          </p:cNvSpPr>
+          <p:nvPr>
+            <p:ph type="body" sz="quarter" idx="13"/>
+          </p:nvPr>
+        </p:nvSpPr>
+        <p:spPr>
+          <a:xfrm>
+            <a:off x="838200" y="1825625"/>
+            <a:ext cx="5194300" cy="4351338"/>
+          </a:xfrm>
+        </p:spPr>
+        <p:txBody>
+          <a:bodyPr/>
+          <a:lstStyle/>
+          <a:p>
+            <a:pPr lvl="0"/>
+            <a:r>
+              <a:rPr lang="en-US"/>
+              <a:t>Click to edit Master text styles</a:t>
+            </a:r>
+          </a:p>
+          <a:p>
+            <a:pPr lvl="1"/>
+            <a:r>
+              <a:rPr lang="en-US"/>
+              <a:t>Second level</a:t>
+            </a:r>
+          </a:p>
+          <a:p>
+            <a:pPr lvl="2"/>
+            <a:r>
+              <a:rPr lang="en-US"/>
+              <a:t>Third level</a:t>
+            </a:r>
+          </a:p>
+          <a:p>
+            <a:pPr lvl="3"/>
+            <a:r>
+              <a:rPr lang="en-US"/>
+              <a:t>Fourth level</a:t>
+            </a:r>
+          </a:p>
+          <a:p>
+            <a:pPr lvl="4"/>
+            <a:r>
+              <a:rPr lang="en-US"/>
+              <a:t>Fifth level</a:t>
+            </a:r>
             <a:endParaRPr lang="en-IN"/>
           </a:p>
         </p:txBody>
       </p:sp>
       <p:sp>
         <p:nvSpPr>
-          <p:cNvPr id="9" name="Text Placeholder 8"/>
-          <p:cNvSpPr>
-            <a:spLocks noGrp="1"/>
-          </p:cNvSpPr>
-          <p:nvPr>
-            <p:ph type="body" sz="quarter" idx="13"/>
+          <p:cNvPr id="11" name="Text Placeholder 10"/>
+          <p:cNvSpPr>
+            <a:spLocks noGrp="1"/>
+          </p:cNvSpPr>
+          <p:nvPr>
+            <p:ph type="body" sz="quarter" idx="14"/>
           </p:nvPr>
         </p:nvSpPr>
         <p:spPr>
           <a:xfrm>
-            <a:off x="838200" y="1866900"/>
-            <a:ext cx="5041900" cy="4114800"/>
+            <a:off x="6140450" y="1825625"/>
+            <a:ext cx="5213350" cy="4351338"/>
           </a:xfrm>
         </p:spPr>
         <p:txBody>
@@ -737,114 +998,64 @@
           <a:p>
             <a:pPr lvl="0"/>
             <a:r>
-              <a:rPr lang="en-US" dirty="0"/>
+              <a:rPr lang="en-US"/>
               <a:t>Click to edit Master text styles</a:t>
             </a:r>
           </a:p>
           <a:p>
             <a:pPr lvl="1"/>
             <a:r>
-              <a:rPr lang="en-US" dirty="0"/>
+              <a:rPr lang="en-US"/>
               <a:t>Second level</a:t>
             </a:r>
           </a:p>
           <a:p>
             <a:pPr lvl="2"/>
             <a:r>
-              <a:rPr lang="en-US" dirty="0"/>
+              <a:rPr lang="en-US"/>
               <a:t>Third level</a:t>
             </a:r>
           </a:p>
           <a:p>
             <a:pPr lvl="3"/>
             <a:r>
-              <a:rPr lang="en-US" dirty="0"/>
+              <a:rPr lang="en-US"/>
               <a:t>Fourth level</a:t>
             </a:r>
           </a:p>
           <a:p>
             <a:pPr lvl="4"/>
             <a:r>
-              <a:rPr lang="en-US" dirty="0"/>
+              <a:rPr lang="en-US"/>
               <a:t>Fifth level</a:t>
             </a:r>
-            <a:endParaRPr lang="en-IN" dirty="0"/>
-          </a:p>
-        </p:txBody>
-      </p:sp>
-      <p:sp>
-        <p:nvSpPr>
-          <p:cNvPr id="11" name="Text Placeholder 10"/>
-          <p:cNvSpPr>
-            <a:spLocks noGrp="1"/>
-          </p:cNvSpPr>
-          <p:nvPr>
-            <p:ph type="body" sz="quarter" idx="14"/>
-          </p:nvPr>
-        </p:nvSpPr>
-        <p:spPr>
-          <a:xfrm>
-            <a:off x="6184900" y="1866900"/>
-            <a:ext cx="5168900" cy="4140200"/>
-          </a:xfrm>
-        </p:spPr>
-        <p:txBody>
-          <a:bodyPr/>
-          <a:lstStyle/>
-          <a:p>
-            <a:pPr lvl="0"/>
-            <a:r>
-              <a:rPr lang="en-US" dirty="0"/>
-              <a:t>Click to edit Master text styles</a:t>
-            </a:r>
-          </a:p>
-          <a:p>
-            <a:pPr lvl="1"/>
-            <a:r>
-              <a:rPr lang="en-US" dirty="0"/>
-              <a:t>Second level</a:t>
-            </a:r>
-          </a:p>
-          <a:p>
-            <a:pPr lvl="2"/>
-            <a:r>
-              <a:rPr lang="en-US" dirty="0"/>
-              <a:t>Third level</a:t>
-            </a:r>
-          </a:p>
-          <a:p>
-            <a:pPr lvl="3"/>
-            <a:r>
-              <a:rPr lang="en-US" dirty="0"/>
-              <a:t>Fourth level</a:t>
-            </a:r>
-          </a:p>
-          <a:p>
-            <a:pPr lvl="4"/>
-            <a:r>
-              <a:rPr lang="en-US" dirty="0"/>
-              <a:t>Fifth level</a:t>
-            </a:r>
-            <a:endParaRPr lang="en-IN" dirty="0"/>
+            <a:endParaRPr lang="en-IN"/>
           </a:p>
         </p:txBody>
       </p:sp>
     </p:spTree>
     <p:extLst>
       <p:ext uri="{BB962C8B-B14F-4D97-AF65-F5344CB8AC3E}">
-        <p14:creationId xmlns:p14="http://schemas.microsoft.com/office/powerpoint/2010/main" val="2667425718"/>
+        <p14:creationId xmlns:p14="http://schemas.microsoft.com/office/powerpoint/2010/main" val="3057820777"/>
       </p:ext>
     </p:extLst>
   </p:cSld>
   <p:clrMapOvr>
     <a:masterClrMapping/>
   </p:clrMapOvr>
+  <p:timing>
+    <p:tnLst>
+      <p:par>
+        <p:cTn id="1" dur="indefinite" restart="never" nodeType="tmRoot"/>
+      </p:par>
+    </p:tnLst>
+  </p:timing>
 </p:sldLayout>
 </file>
 
 <file path=ppt/slideLayouts/slideLayout4.xml><?xml version="1.0" encoding="utf-8"?>
 <p:sldLayout xmlns:a="http://schemas.openxmlformats.org/drawingml/2006/main" xmlns:r="http://schemas.openxmlformats.org/officeDocument/2006/relationships" xmlns:p="http://schemas.openxmlformats.org/presentationml/2006/main" preserve="1" userDrawn="1">
-  <p:cSld name="Title Only">
+  <p:cSld name="Blank">
     <p:spTree>
       <p:nvGrpSpPr>
         <p:cNvPr id="1" name=""/>
@@ -861,7 +1072,7 @@
       </p:grpSpPr>
       <p:sp>
         <p:nvSpPr>
-          <p:cNvPr id="3" name="Date Placeholder 2"/>
+          <p:cNvPr id="2" name="Date Placeholder 1"/>
           <p:cNvSpPr>
             <a:spLocks noGrp="1"/>
           </p:cNvSpPr>
@@ -874,17 +1085,17 @@
           <a:bodyPr/>
           <a:lstStyle/>
           <a:p>
-            <a:fld id="{AD297C59-FAA3-46F7-9C05-BDDE7360587E}" type="datetimeFigureOut">
-              <a:rPr lang="en-IN" smtClean="0"/>
-              <a:t>13-06-2021</a:t>
+            <a:fld id="{63A1C593-65D0-4073-BCC9-577B9352EA97}" type="datetimeFigureOut">
+              <a:rPr lang="en-US" smtClean="0"/>
+              <a:t>6/30/2021</a:t>
             </a:fld>
-            <a:endParaRPr lang="en-IN"/>
-          </a:p>
-        </p:txBody>
-      </p:sp>
-      <p:sp>
-        <p:nvSpPr>
-          <p:cNvPr id="4" name="Footer Placeholder 3"/>
+            <a:endParaRPr lang="en-US"/>
+          </a:p>
+        </p:txBody>
+      </p:sp>
+      <p:sp>
+        <p:nvSpPr>
+          <p:cNvPr id="3" name="Footer Placeholder 2"/>
           <p:cNvSpPr>
             <a:spLocks noGrp="1"/>
           </p:cNvSpPr>
@@ -897,13 +1108,13 @@
           <a:bodyPr/>
           <a:lstStyle/>
           <a:p>
-            <a:endParaRPr lang="en-IN"/>
-          </a:p>
-        </p:txBody>
-      </p:sp>
-      <p:sp>
-        <p:nvSpPr>
-          <p:cNvPr id="5" name="Slide Number Placeholder 4"/>
+            <a:endParaRPr lang="en-US"/>
+          </a:p>
+        </p:txBody>
+      </p:sp>
+      <p:sp>
+        <p:nvSpPr>
+          <p:cNvPr id="4" name="Slide Number Placeholder 3"/>
           <p:cNvSpPr>
             <a:spLocks noGrp="1"/>
           </p:cNvSpPr>
@@ -916,81 +1127,88 @@
           <a:bodyPr/>
           <a:lstStyle/>
           <a:p>
-            <a:fld id="{6B26FFDB-5C59-430C-B756-0C546AF38021}" type="slidenum">
-              <a:rPr lang="en-IN" smtClean="0"/>
+            <a:fld id="{9B618960-8005-486C-9A75-10CB2AAC16F9}" type="slidenum">
+              <a:rPr lang="en-US" smtClean="0"/>
               <a:t>‹#›</a:t>
             </a:fld>
+            <a:endParaRPr lang="en-US"/>
+          </a:p>
+        </p:txBody>
+      </p:sp>
+      <p:sp>
+        <p:nvSpPr>
+          <p:cNvPr id="6" name="Text Placeholder 5"/>
+          <p:cNvSpPr>
+            <a:spLocks noGrp="1"/>
+          </p:cNvSpPr>
+          <p:nvPr>
+            <p:ph type="body" sz="quarter" idx="13"/>
+          </p:nvPr>
+        </p:nvSpPr>
+        <p:spPr>
+          <a:xfrm>
+            <a:off x="838200" y="277813"/>
+            <a:ext cx="10515600" cy="5835650"/>
+          </a:xfrm>
+        </p:spPr>
+        <p:txBody>
+          <a:bodyPr/>
+          <a:lstStyle/>
+          <a:p>
+            <a:pPr lvl="0"/>
+            <a:r>
+              <a:rPr lang="en-US"/>
+              <a:t>Click to edit Master text styles</a:t>
+            </a:r>
+          </a:p>
+          <a:p>
+            <a:pPr lvl="1"/>
+            <a:r>
+              <a:rPr lang="en-US"/>
+              <a:t>Second level</a:t>
+            </a:r>
+          </a:p>
+          <a:p>
+            <a:pPr lvl="2"/>
+            <a:r>
+              <a:rPr lang="en-US"/>
+              <a:t>Third level</a:t>
+            </a:r>
+          </a:p>
+          <a:p>
+            <a:pPr lvl="3"/>
+            <a:r>
+              <a:rPr lang="en-US"/>
+              <a:t>Fourth level</a:t>
+            </a:r>
+          </a:p>
+          <a:p>
+            <a:pPr lvl="4"/>
+            <a:r>
+              <a:rPr lang="en-US"/>
+              <a:t>Fifth level</a:t>
+            </a:r>
             <a:endParaRPr lang="en-IN"/>
-          </a:p>
-        </p:txBody>
-      </p:sp>
-      <p:sp>
-        <p:nvSpPr>
-          <p:cNvPr id="7" name="Text Placeholder 6"/>
-          <p:cNvSpPr>
-            <a:spLocks noGrp="1"/>
-          </p:cNvSpPr>
-          <p:nvPr>
-            <p:ph type="body" sz="quarter" idx="13"/>
-          </p:nvPr>
-        </p:nvSpPr>
-        <p:spPr>
-          <a:xfrm>
-            <a:off x="838200" y="406400"/>
-            <a:ext cx="10515600" cy="5486400"/>
-          </a:xfrm>
-        </p:spPr>
-        <p:txBody>
-          <a:bodyPr/>
-          <a:lstStyle/>
-          <a:p>
-            <a:pPr lvl="0"/>
-            <a:r>
-              <a:rPr lang="en-US" dirty="0"/>
-              <a:t>Click to edit Master text styles</a:t>
-            </a:r>
-          </a:p>
-          <a:p>
-            <a:pPr lvl="1"/>
-            <a:r>
-              <a:rPr lang="en-US" dirty="0"/>
-              <a:t>Second level</a:t>
-            </a:r>
-          </a:p>
-          <a:p>
-            <a:pPr lvl="2"/>
-            <a:r>
-              <a:rPr lang="en-US" dirty="0"/>
-              <a:t>Third level</a:t>
-            </a:r>
-          </a:p>
-          <a:p>
-            <a:pPr lvl="3"/>
-            <a:r>
-              <a:rPr lang="en-US" dirty="0"/>
-              <a:t>Fourth level</a:t>
-            </a:r>
-          </a:p>
-          <a:p>
-            <a:pPr lvl="4"/>
-            <a:r>
-              <a:rPr lang="en-US" dirty="0"/>
-              <a:t>Fifth level</a:t>
-            </a:r>
-            <a:endParaRPr lang="en-IN" dirty="0"/>
           </a:p>
         </p:txBody>
       </p:sp>
     </p:spTree>
     <p:extLst>
       <p:ext uri="{BB962C8B-B14F-4D97-AF65-F5344CB8AC3E}">
-        <p14:creationId xmlns:p14="http://schemas.microsoft.com/office/powerpoint/2010/main" val="1484659100"/>
+        <p14:creationId xmlns:p14="http://schemas.microsoft.com/office/powerpoint/2010/main" val="2906288441"/>
       </p:ext>
     </p:extLst>
   </p:cSld>
   <p:clrMapOvr>
     <a:masterClrMapping/>
   </p:clrMapOvr>
+  <p:timing>
+    <p:tnLst>
+      <p:par>
+        <p:cTn id="1" dur="indefinite" restart="never" nodeType="tmRoot"/>
+      </p:par>
+    </p:tnLst>
+  </p:timing>
 </p:sldLayout>
 </file>
 
@@ -1024,7 +1242,7 @@
         <p:spPr>
           <a:xfrm>
             <a:off x="839788" y="457200"/>
-            <a:ext cx="10412412" cy="927100"/>
+            <a:ext cx="10514011" cy="1004047"/>
           </a:xfrm>
         </p:spPr>
         <p:txBody>
@@ -1036,10 +1254,9 @@
           </a:lstStyle>
           <a:p>
             <a:r>
-              <a:rPr lang="en-US"/>
+              <a:rPr lang="en-US" dirty="0"/>
               <a:t>Click to edit Master title style</a:t>
             </a:r>
-            <a:endParaRPr lang="en-IN"/>
           </a:p>
         </p:txBody>
       </p:sp>
@@ -1055,8 +1272,8 @@
         </p:nvSpPr>
         <p:spPr>
           <a:xfrm>
-            <a:off x="8037512" y="2784475"/>
-            <a:ext cx="3316288" cy="2266950"/>
+            <a:off x="7000568" y="1676774"/>
+            <a:ext cx="5011993" cy="4360232"/>
           </a:xfrm>
         </p:spPr>
         <p:txBody>
@@ -1100,7 +1317,7 @@
             </a:lvl9pPr>
           </a:lstStyle>
           <a:p>
-            <a:endParaRPr lang="en-IN" dirty="0"/>
+            <a:endParaRPr lang="en-US" dirty="0"/>
           </a:p>
         </p:txBody>
       </p:sp>
@@ -1119,11 +1336,11 @@
           <a:bodyPr/>
           <a:lstStyle/>
           <a:p>
-            <a:fld id="{AD297C59-FAA3-46F7-9C05-BDDE7360587E}" type="datetimeFigureOut">
-              <a:rPr lang="en-IN" smtClean="0"/>
-              <a:t>13-06-2021</a:t>
+            <a:fld id="{63A1C593-65D0-4073-BCC9-577B9352EA97}" type="datetimeFigureOut">
+              <a:rPr lang="en-US" smtClean="0"/>
+              <a:t>6/30/2021</a:t>
             </a:fld>
-            <a:endParaRPr lang="en-IN"/>
+            <a:endParaRPr lang="en-US"/>
           </a:p>
         </p:txBody>
       </p:sp>
@@ -1142,7 +1359,7 @@
           <a:bodyPr/>
           <a:lstStyle/>
           <a:p>
-            <a:endParaRPr lang="en-IN"/>
+            <a:endParaRPr lang="en-US"/>
           </a:p>
         </p:txBody>
       </p:sp>
@@ -1161,11 +1378,11 @@
           <a:bodyPr/>
           <a:lstStyle/>
           <a:p>
-            <a:fld id="{6B26FFDB-5C59-430C-B756-0C546AF38021}" type="slidenum">
-              <a:rPr lang="en-IN" smtClean="0"/>
+            <a:fld id="{9B618960-8005-486C-9A75-10CB2AAC16F9}" type="slidenum">
+              <a:rPr lang="en-US" smtClean="0"/>
               <a:t>‹#›</a:t>
             </a:fld>
-            <a:endParaRPr lang="en-IN"/>
+            <a:endParaRPr lang="en-US"/>
           </a:p>
         </p:txBody>
       </p:sp>
@@ -1181,8 +1398,8 @@
         </p:nvSpPr>
         <p:spPr>
           <a:xfrm>
-            <a:off x="838200" y="1739900"/>
-            <a:ext cx="6896100" cy="4356100"/>
+            <a:off x="179439" y="1676773"/>
+            <a:ext cx="6665913" cy="4464050"/>
           </a:xfrm>
         </p:spPr>
         <p:txBody>
@@ -1191,55 +1408,517 @@
           <a:p>
             <a:pPr lvl="0"/>
             <a:r>
-              <a:rPr lang="en-US"/>
+              <a:rPr lang="en-US" dirty="0"/>
               <a:t>Click to edit Master text styles</a:t>
             </a:r>
           </a:p>
           <a:p>
             <a:pPr lvl="1"/>
             <a:r>
-              <a:rPr lang="en-US"/>
+              <a:rPr lang="en-US" dirty="0"/>
               <a:t>Second level</a:t>
             </a:r>
           </a:p>
           <a:p>
             <a:pPr lvl="2"/>
             <a:r>
-              <a:rPr lang="en-US"/>
+              <a:rPr lang="en-US" dirty="0"/>
               <a:t>Third level</a:t>
             </a:r>
           </a:p>
           <a:p>
             <a:pPr lvl="3"/>
             <a:r>
-              <a:rPr lang="en-US"/>
+              <a:rPr lang="en-US" dirty="0"/>
               <a:t>Fourth level</a:t>
             </a:r>
           </a:p>
           <a:p>
             <a:pPr lvl="4"/>
             <a:r>
-              <a:rPr lang="en-US"/>
+              <a:rPr lang="en-US" dirty="0"/>
               <a:t>Fifth level</a:t>
             </a:r>
-            <a:endParaRPr lang="en-IN"/>
+            <a:endParaRPr lang="en-IN" dirty="0"/>
           </a:p>
         </p:txBody>
       </p:sp>
     </p:spTree>
     <p:extLst>
       <p:ext uri="{BB962C8B-B14F-4D97-AF65-F5344CB8AC3E}">
-        <p14:creationId xmlns:p14="http://schemas.microsoft.com/office/powerpoint/2010/main" val="1676523645"/>
+        <p14:creationId xmlns:p14="http://schemas.microsoft.com/office/powerpoint/2010/main" val="748678174"/>
       </p:ext>
     </p:extLst>
   </p:cSld>
   <p:clrMapOvr>
     <a:masterClrMapping/>
   </p:clrMapOvr>
+  <p:timing>
+    <p:tnLst>
+      <p:par>
+        <p:cTn id="1" dur="indefinite" restart="never" nodeType="tmRoot"/>
+      </p:par>
+    </p:tnLst>
+  </p:timing>
 </p:sldLayout>
 </file>
 
 <file path=ppt/slideLayouts/slideLayout6.xml><?xml version="1.0" encoding="utf-8"?>
+<p:sldLayout xmlns:a="http://schemas.openxmlformats.org/drawingml/2006/main" xmlns:r="http://schemas.openxmlformats.org/officeDocument/2006/relationships" xmlns:p="http://schemas.openxmlformats.org/presentationml/2006/main" preserve="1" userDrawn="1">
+  <p:cSld name="1_Picture with Caption">
+    <p:spTree>
+      <p:nvGrpSpPr>
+        <p:cNvPr id="1" name=""/>
+        <p:cNvGrpSpPr/>
+        <p:nvPr/>
+      </p:nvGrpSpPr>
+      <p:grpSpPr>
+        <a:xfrm>
+          <a:off x="0" y="0"/>
+          <a:ext cx="0" cy="0"/>
+          <a:chOff x="0" y="0"/>
+          <a:chExt cx="0" cy="0"/>
+        </a:xfrm>
+      </p:grpSpPr>
+      <p:sp>
+        <p:nvSpPr>
+          <p:cNvPr id="2" name="Title 1"/>
+          <p:cNvSpPr>
+            <a:spLocks noGrp="1"/>
+          </p:cNvSpPr>
+          <p:nvPr>
+            <p:ph type="title"/>
+          </p:nvPr>
+        </p:nvSpPr>
+        <p:spPr>
+          <a:xfrm>
+            <a:off x="721801" y="136525"/>
+            <a:ext cx="10514011" cy="1004047"/>
+          </a:xfrm>
+        </p:spPr>
+        <p:txBody>
+          <a:bodyPr anchor="b"/>
+          <a:lstStyle>
+            <a:lvl1pPr>
+              <a:defRPr sz="3200"/>
+            </a:lvl1pPr>
+          </a:lstStyle>
+          <a:p>
+            <a:r>
+              <a:rPr lang="en-US" dirty="0"/>
+              <a:t>Click to edit Master title style</a:t>
+            </a:r>
+          </a:p>
+        </p:txBody>
+      </p:sp>
+      <p:sp>
+        <p:nvSpPr>
+          <p:cNvPr id="3" name="Picture Placeholder 2"/>
+          <p:cNvSpPr>
+            <a:spLocks noGrp="1"/>
+          </p:cNvSpPr>
+          <p:nvPr>
+            <p:ph type="pic" idx="1"/>
+          </p:nvPr>
+        </p:nvSpPr>
+        <p:spPr>
+          <a:xfrm>
+            <a:off x="425247" y="1445342"/>
+            <a:ext cx="10928553" cy="4591664"/>
+          </a:xfrm>
+        </p:spPr>
+        <p:txBody>
+          <a:bodyPr/>
+          <a:lstStyle>
+            <a:lvl1pPr marL="0" indent="0">
+              <a:buNone/>
+              <a:defRPr sz="3200"/>
+            </a:lvl1pPr>
+            <a:lvl2pPr marL="457200" indent="0">
+              <a:buNone/>
+              <a:defRPr sz="2800"/>
+            </a:lvl2pPr>
+            <a:lvl3pPr marL="914400" indent="0">
+              <a:buNone/>
+              <a:defRPr sz="2400"/>
+            </a:lvl3pPr>
+            <a:lvl4pPr marL="1371600" indent="0">
+              <a:buNone/>
+              <a:defRPr sz="2000"/>
+            </a:lvl4pPr>
+            <a:lvl5pPr marL="1828800" indent="0">
+              <a:buNone/>
+              <a:defRPr sz="2000"/>
+            </a:lvl5pPr>
+            <a:lvl6pPr marL="2286000" indent="0">
+              <a:buNone/>
+              <a:defRPr sz="2000"/>
+            </a:lvl6pPr>
+            <a:lvl7pPr marL="2743200" indent="0">
+              <a:buNone/>
+              <a:defRPr sz="2000"/>
+            </a:lvl7pPr>
+            <a:lvl8pPr marL="3200400" indent="0">
+              <a:buNone/>
+              <a:defRPr sz="2000"/>
+            </a:lvl8pPr>
+            <a:lvl9pPr marL="3657600" indent="0">
+              <a:buNone/>
+              <a:defRPr sz="2000"/>
+            </a:lvl9pPr>
+          </a:lstStyle>
+          <a:p>
+            <a:endParaRPr lang="en-US" dirty="0"/>
+          </a:p>
+        </p:txBody>
+      </p:sp>
+      <p:sp>
+        <p:nvSpPr>
+          <p:cNvPr id="5" name="Date Placeholder 4"/>
+          <p:cNvSpPr>
+            <a:spLocks noGrp="1"/>
+          </p:cNvSpPr>
+          <p:nvPr>
+            <p:ph type="dt" sz="half" idx="10"/>
+          </p:nvPr>
+        </p:nvSpPr>
+        <p:spPr/>
+        <p:txBody>
+          <a:bodyPr/>
+          <a:lstStyle/>
+          <a:p>
+            <a:fld id="{63A1C593-65D0-4073-BCC9-577B9352EA97}" type="datetimeFigureOut">
+              <a:rPr lang="en-US" smtClean="0"/>
+              <a:t>6/30/2021</a:t>
+            </a:fld>
+            <a:endParaRPr lang="en-US"/>
+          </a:p>
+        </p:txBody>
+      </p:sp>
+      <p:sp>
+        <p:nvSpPr>
+          <p:cNvPr id="6" name="Footer Placeholder 5"/>
+          <p:cNvSpPr>
+            <a:spLocks noGrp="1"/>
+          </p:cNvSpPr>
+          <p:nvPr>
+            <p:ph type="ftr" sz="quarter" idx="11"/>
+          </p:nvPr>
+        </p:nvSpPr>
+        <p:spPr/>
+        <p:txBody>
+          <a:bodyPr/>
+          <a:lstStyle/>
+          <a:p>
+            <a:endParaRPr lang="en-US"/>
+          </a:p>
+        </p:txBody>
+      </p:sp>
+      <p:sp>
+        <p:nvSpPr>
+          <p:cNvPr id="7" name="Slide Number Placeholder 6"/>
+          <p:cNvSpPr>
+            <a:spLocks noGrp="1"/>
+          </p:cNvSpPr>
+          <p:nvPr>
+            <p:ph type="sldNum" sz="quarter" idx="12"/>
+          </p:nvPr>
+        </p:nvSpPr>
+        <p:spPr/>
+        <p:txBody>
+          <a:bodyPr/>
+          <a:lstStyle/>
+          <a:p>
+            <a:fld id="{9B618960-8005-486C-9A75-10CB2AAC16F9}" type="slidenum">
+              <a:rPr lang="en-US" smtClean="0"/>
+              <a:t>‹#›</a:t>
+            </a:fld>
+            <a:endParaRPr lang="en-US"/>
+          </a:p>
+        </p:txBody>
+      </p:sp>
+    </p:spTree>
+    <p:extLst>
+      <p:ext uri="{BB962C8B-B14F-4D97-AF65-F5344CB8AC3E}">
+        <p14:creationId xmlns:p14="http://schemas.microsoft.com/office/powerpoint/2010/main" val="909658893"/>
+      </p:ext>
+    </p:extLst>
+  </p:cSld>
+  <p:clrMapOvr>
+    <a:masterClrMapping/>
+  </p:clrMapOvr>
+  <p:timing>
+    <p:tnLst>
+      <p:par>
+        <p:cTn id="1" dur="indefinite" restart="never" nodeType="tmRoot"/>
+      </p:par>
+    </p:tnLst>
+  </p:timing>
+</p:sldLayout>
+</file>
+
+<file path=ppt/slideLayouts/slideLayout7.xml><?xml version="1.0" encoding="utf-8"?>
+<p:sldLayout xmlns:a="http://schemas.openxmlformats.org/drawingml/2006/main" xmlns:r="http://schemas.openxmlformats.org/officeDocument/2006/relationships" xmlns:p="http://schemas.openxmlformats.org/presentationml/2006/main" preserve="1" userDrawn="1">
+  <p:cSld name="2_Picture with Caption">
+    <p:spTree>
+      <p:nvGrpSpPr>
+        <p:cNvPr id="1" name=""/>
+        <p:cNvGrpSpPr/>
+        <p:nvPr/>
+      </p:nvGrpSpPr>
+      <p:grpSpPr>
+        <a:xfrm>
+          <a:off x="0" y="0"/>
+          <a:ext cx="0" cy="0"/>
+          <a:chOff x="0" y="0"/>
+          <a:chExt cx="0" cy="0"/>
+        </a:xfrm>
+      </p:grpSpPr>
+      <p:sp>
+        <p:nvSpPr>
+          <p:cNvPr id="2" name="Title 1"/>
+          <p:cNvSpPr>
+            <a:spLocks noGrp="1"/>
+          </p:cNvSpPr>
+          <p:nvPr>
+            <p:ph type="title"/>
+          </p:nvPr>
+        </p:nvSpPr>
+        <p:spPr>
+          <a:xfrm>
+            <a:off x="2066798" y="115579"/>
+            <a:ext cx="7645451" cy="925359"/>
+          </a:xfrm>
+        </p:spPr>
+        <p:txBody>
+          <a:bodyPr anchor="b"/>
+          <a:lstStyle>
+            <a:lvl1pPr>
+              <a:defRPr sz="3200"/>
+            </a:lvl1pPr>
+          </a:lstStyle>
+          <a:p>
+            <a:r>
+              <a:rPr lang="en-US" dirty="0"/>
+              <a:t>Click to edit Master title style</a:t>
+            </a:r>
+          </a:p>
+        </p:txBody>
+      </p:sp>
+      <p:sp>
+        <p:nvSpPr>
+          <p:cNvPr id="3" name="Picture Placeholder 2"/>
+          <p:cNvSpPr>
+            <a:spLocks noGrp="1"/>
+          </p:cNvSpPr>
+          <p:nvPr>
+            <p:ph type="pic" idx="1"/>
+          </p:nvPr>
+        </p:nvSpPr>
+        <p:spPr>
+          <a:xfrm>
+            <a:off x="71284" y="1147813"/>
+            <a:ext cx="5631426" cy="3237374"/>
+          </a:xfrm>
+        </p:spPr>
+        <p:txBody>
+          <a:bodyPr/>
+          <a:lstStyle>
+            <a:lvl1pPr marL="0" indent="0">
+              <a:buNone/>
+              <a:defRPr sz="3200"/>
+            </a:lvl1pPr>
+            <a:lvl2pPr marL="457200" indent="0">
+              <a:buNone/>
+              <a:defRPr sz="2800"/>
+            </a:lvl2pPr>
+            <a:lvl3pPr marL="914400" indent="0">
+              <a:buNone/>
+              <a:defRPr sz="2400"/>
+            </a:lvl3pPr>
+            <a:lvl4pPr marL="1371600" indent="0">
+              <a:buNone/>
+              <a:defRPr sz="2000"/>
+            </a:lvl4pPr>
+            <a:lvl5pPr marL="1828800" indent="0">
+              <a:buNone/>
+              <a:defRPr sz="2000"/>
+            </a:lvl5pPr>
+            <a:lvl6pPr marL="2286000" indent="0">
+              <a:buNone/>
+              <a:defRPr sz="2000"/>
+            </a:lvl6pPr>
+            <a:lvl7pPr marL="2743200" indent="0">
+              <a:buNone/>
+              <a:defRPr sz="2000"/>
+            </a:lvl7pPr>
+            <a:lvl8pPr marL="3200400" indent="0">
+              <a:buNone/>
+              <a:defRPr sz="2000"/>
+            </a:lvl8pPr>
+            <a:lvl9pPr marL="3657600" indent="0">
+              <a:buNone/>
+              <a:defRPr sz="2000"/>
+            </a:lvl9pPr>
+          </a:lstStyle>
+          <a:p>
+            <a:endParaRPr lang="en-US" dirty="0"/>
+          </a:p>
+        </p:txBody>
+      </p:sp>
+      <p:sp>
+        <p:nvSpPr>
+          <p:cNvPr id="5" name="Date Placeholder 4"/>
+          <p:cNvSpPr>
+            <a:spLocks noGrp="1"/>
+          </p:cNvSpPr>
+          <p:nvPr>
+            <p:ph type="dt" sz="half" idx="10"/>
+          </p:nvPr>
+        </p:nvSpPr>
+        <p:spPr/>
+        <p:txBody>
+          <a:bodyPr/>
+          <a:lstStyle/>
+          <a:p>
+            <a:fld id="{63A1C593-65D0-4073-BCC9-577B9352EA97}" type="datetimeFigureOut">
+              <a:rPr lang="en-US" smtClean="0"/>
+              <a:t>6/30/2021</a:t>
+            </a:fld>
+            <a:endParaRPr lang="en-US"/>
+          </a:p>
+        </p:txBody>
+      </p:sp>
+      <p:sp>
+        <p:nvSpPr>
+          <p:cNvPr id="6" name="Footer Placeholder 5"/>
+          <p:cNvSpPr>
+            <a:spLocks noGrp="1"/>
+          </p:cNvSpPr>
+          <p:nvPr>
+            <p:ph type="ftr" sz="quarter" idx="11"/>
+          </p:nvPr>
+        </p:nvSpPr>
+        <p:spPr/>
+        <p:txBody>
+          <a:bodyPr/>
+          <a:lstStyle/>
+          <a:p>
+            <a:endParaRPr lang="en-US"/>
+          </a:p>
+        </p:txBody>
+      </p:sp>
+      <p:sp>
+        <p:nvSpPr>
+          <p:cNvPr id="7" name="Slide Number Placeholder 6"/>
+          <p:cNvSpPr>
+            <a:spLocks noGrp="1"/>
+          </p:cNvSpPr>
+          <p:nvPr>
+            <p:ph type="sldNum" sz="quarter" idx="12"/>
+          </p:nvPr>
+        </p:nvSpPr>
+        <p:spPr/>
+        <p:txBody>
+          <a:bodyPr/>
+          <a:lstStyle/>
+          <a:p>
+            <a:fld id="{9B618960-8005-486C-9A75-10CB2AAC16F9}" type="slidenum">
+              <a:rPr lang="en-US" smtClean="0"/>
+              <a:t>‹#›</a:t>
+            </a:fld>
+            <a:endParaRPr lang="en-US"/>
+          </a:p>
+        </p:txBody>
+      </p:sp>
+      <p:sp>
+        <p:nvSpPr>
+          <p:cNvPr id="8" name="Picture Placeholder 2">
+            <a:extLst>
+              <a:ext uri="{FF2B5EF4-FFF2-40B4-BE49-F238E27FC236}">
+                <a16:creationId xmlns:a16="http://schemas.microsoft.com/office/drawing/2014/main" xmlns="" id="{9638C604-CEDC-4286-8EE1-2B03B5A13FD1}"/>
+              </a:ext>
+            </a:extLst>
+          </p:cNvPr>
+          <p:cNvSpPr>
+            <a:spLocks noGrp="1"/>
+          </p:cNvSpPr>
+          <p:nvPr>
+            <p:ph type="pic" idx="13"/>
+          </p:nvPr>
+        </p:nvSpPr>
+        <p:spPr>
+          <a:xfrm>
+            <a:off x="5889524" y="2905227"/>
+            <a:ext cx="5956764" cy="3237373"/>
+          </a:xfrm>
+        </p:spPr>
+        <p:txBody>
+          <a:bodyPr/>
+          <a:lstStyle>
+            <a:lvl1pPr marL="0" indent="0">
+              <a:buNone/>
+              <a:defRPr sz="3200"/>
+            </a:lvl1pPr>
+            <a:lvl2pPr marL="457200" indent="0">
+              <a:buNone/>
+              <a:defRPr sz="2800"/>
+            </a:lvl2pPr>
+            <a:lvl3pPr marL="914400" indent="0">
+              <a:buNone/>
+              <a:defRPr sz="2400"/>
+            </a:lvl3pPr>
+            <a:lvl4pPr marL="1371600" indent="0">
+              <a:buNone/>
+              <a:defRPr sz="2000"/>
+            </a:lvl4pPr>
+            <a:lvl5pPr marL="1828800" indent="0">
+              <a:buNone/>
+              <a:defRPr sz="2000"/>
+            </a:lvl5pPr>
+            <a:lvl6pPr marL="2286000" indent="0">
+              <a:buNone/>
+              <a:defRPr sz="2000"/>
+            </a:lvl6pPr>
+            <a:lvl7pPr marL="2743200" indent="0">
+              <a:buNone/>
+              <a:defRPr sz="2000"/>
+            </a:lvl7pPr>
+            <a:lvl8pPr marL="3200400" indent="0">
+              <a:buNone/>
+              <a:defRPr sz="2000"/>
+            </a:lvl8pPr>
+            <a:lvl9pPr marL="3657600" indent="0">
+              <a:buNone/>
+              <a:defRPr sz="2000"/>
+            </a:lvl9pPr>
+          </a:lstStyle>
+          <a:p>
+            <a:endParaRPr lang="en-US" dirty="0"/>
+          </a:p>
+        </p:txBody>
+      </p:sp>
+    </p:spTree>
+    <p:extLst>
+      <p:ext uri="{BB962C8B-B14F-4D97-AF65-F5344CB8AC3E}">
+        <p14:creationId xmlns:p14="http://schemas.microsoft.com/office/powerpoint/2010/main" val="2096398745"/>
+      </p:ext>
+    </p:extLst>
+  </p:cSld>
+  <p:clrMapOvr>
+    <a:masterClrMapping/>
+  </p:clrMapOvr>
+  <p:timing>
+    <p:tnLst>
+      <p:par>
+        <p:cTn id="1" dur="indefinite" restart="never" nodeType="tmRoot"/>
+      </p:par>
+    </p:tnLst>
+  </p:timing>
+</p:sldLayout>
+</file>
+
+<file path=ppt/slideLayouts/slideLayout8.xml><?xml version="1.0" encoding="utf-8"?>
 <p:sldLayout xmlns:a="http://schemas.openxmlformats.org/drawingml/2006/main" xmlns:r="http://schemas.openxmlformats.org/officeDocument/2006/relationships" xmlns:p="http://schemas.openxmlformats.org/presentationml/2006/main" preserve="1" userDrawn="1">
   <p:cSld name="Custom Layout">
     <p:spTree>
@@ -1261,7 +1940,7 @@
           <p:cNvPr id="3" name="Date Placeholder 2">
             <a:extLst>
               <a:ext uri="{FF2B5EF4-FFF2-40B4-BE49-F238E27FC236}">
-                <a16:creationId xmlns:a16="http://schemas.microsoft.com/office/drawing/2014/main" id="{3E277CFA-C57E-4F7C-A474-A868BCD6360F}"/>
+                <a16:creationId xmlns:a16="http://schemas.microsoft.com/office/drawing/2014/main" xmlns="" id="{3E277CFA-C57E-4F7C-A474-A868BCD6360F}"/>
               </a:ext>
             </a:extLst>
           </p:cNvPr>
@@ -1279,7 +1958,7 @@
           <a:p>
             <a:fld id="{18E39B94-993D-4DCE-8660-BFC342D3B26B}" type="datetimeFigureOut">
               <a:rPr lang="en-IN" smtClean="0"/>
-              <a:t>13-06-2021</a:t>
+              <a:t>30-06-2021</a:t>
             </a:fld>
             <a:endParaRPr lang="en-IN"/>
           </a:p>
@@ -1290,7 +1969,7 @@
           <p:cNvPr id="4" name="Footer Placeholder 3">
             <a:extLst>
               <a:ext uri="{FF2B5EF4-FFF2-40B4-BE49-F238E27FC236}">
-                <a16:creationId xmlns:a16="http://schemas.microsoft.com/office/drawing/2014/main" id="{02EE924C-7FDB-4140-A915-B349794BE598}"/>
+                <a16:creationId xmlns:a16="http://schemas.microsoft.com/office/drawing/2014/main" xmlns="" id="{02EE924C-7FDB-4140-A915-B349794BE598}"/>
               </a:ext>
             </a:extLst>
           </p:cNvPr>
@@ -1315,7 +1994,7 @@
           <p:cNvPr id="5" name="Slide Number Placeholder 4">
             <a:extLst>
               <a:ext uri="{FF2B5EF4-FFF2-40B4-BE49-F238E27FC236}">
-                <a16:creationId xmlns:a16="http://schemas.microsoft.com/office/drawing/2014/main" id="{1063F2B2-8DB6-4A03-A90C-12CBFA914732}"/>
+                <a16:creationId xmlns:a16="http://schemas.microsoft.com/office/drawing/2014/main" xmlns="" id="{1063F2B2-8DB6-4A03-A90C-12CBFA914732}"/>
               </a:ext>
             </a:extLst>
           </p:cNvPr>
@@ -1344,7 +2023,7 @@
           <p:cNvPr id="7" name="Text Placeholder 6">
             <a:extLst>
               <a:ext uri="{FF2B5EF4-FFF2-40B4-BE49-F238E27FC236}">
-                <a16:creationId xmlns:a16="http://schemas.microsoft.com/office/drawing/2014/main" id="{B72C0071-95D3-451D-999D-3866DC9C00C3}"/>
+                <a16:creationId xmlns:a16="http://schemas.microsoft.com/office/drawing/2014/main" xmlns="" id="{B72C0071-95D3-451D-999D-3866DC9C00C3}"/>
               </a:ext>
             </a:extLst>
           </p:cNvPr>
@@ -1357,8 +2036,8 @@
         </p:nvSpPr>
         <p:spPr>
           <a:xfrm>
-            <a:off x="334963" y="944563"/>
-            <a:ext cx="5259592" cy="4806950"/>
+            <a:off x="334963" y="944562"/>
+            <a:ext cx="5259592" cy="4895799"/>
           </a:xfrm>
         </p:spPr>
         <p:txBody>
@@ -1407,7 +2086,7 @@
           <p:cNvPr id="9" name="Chart Placeholder 8">
             <a:extLst>
               <a:ext uri="{FF2B5EF4-FFF2-40B4-BE49-F238E27FC236}">
-                <a16:creationId xmlns:a16="http://schemas.microsoft.com/office/drawing/2014/main" id="{AF5F7AA0-2D5D-4689-BAAE-30DFC8B259A0}"/>
+                <a16:creationId xmlns:a16="http://schemas.microsoft.com/office/drawing/2014/main" xmlns="" id="{AF5F7AA0-2D5D-4689-BAAE-30DFC8B259A0}"/>
               </a:ext>
             </a:extLst>
           </p:cNvPr>
@@ -1420,8 +2099,8 @@
         </p:nvSpPr>
         <p:spPr>
           <a:xfrm>
-            <a:off x="5594555" y="944564"/>
-            <a:ext cx="6372020" cy="4895798"/>
+            <a:off x="5746375" y="944564"/>
+            <a:ext cx="6220199" cy="4895798"/>
           </a:xfrm>
         </p:spPr>
         <p:txBody>
@@ -1435,13 +2114,20 @@
     </p:spTree>
     <p:extLst>
       <p:ext uri="{BB962C8B-B14F-4D97-AF65-F5344CB8AC3E}">
-        <p14:creationId xmlns:p14="http://schemas.microsoft.com/office/powerpoint/2010/main" val="456504303"/>
+        <p14:creationId xmlns:p14="http://schemas.microsoft.com/office/powerpoint/2010/main" val="223835352"/>
       </p:ext>
     </p:extLst>
   </p:cSld>
   <p:clrMapOvr>
     <a:masterClrMapping/>
   </p:clrMapOvr>
+  <p:timing>
+    <p:tnLst>
+      <p:par>
+        <p:cTn id="1" dur="indefinite" restart="never" nodeType="tmRoot"/>
+      </p:par>
+    </p:tnLst>
+  </p:timing>
 </p:sldLayout>
 </file>
 
@@ -1449,19 +2135,9 @@
 <p:sldMaster xmlns:a="http://schemas.openxmlformats.org/drawingml/2006/main" xmlns:r="http://schemas.openxmlformats.org/officeDocument/2006/relationships" xmlns:p="http://schemas.openxmlformats.org/presentationml/2006/main">
   <p:cSld>
     <p:bg>
-      <p:bgPr>
-        <a:blipFill dpi="0" rotWithShape="1">
-          <a:blip r:embed="rId8">
-            <a:alphaModFix amt="50000"/>
-            <a:lum/>
-          </a:blip>
-          <a:srcRect/>
-          <a:stretch>
-            <a:fillRect/>
-          </a:stretch>
-        </a:blipFill>
-        <a:effectLst/>
-      </p:bgPr>
+      <p:bgRef idx="1003">
+        <a:schemeClr val="bg1"/>
+      </p:bgRef>
     </p:bg>
     <p:spTree>
       <p:nvGrpSpPr>
@@ -1477,25 +2153,215 @@
           <a:chExt cx="0" cy="0"/>
         </a:xfrm>
       </p:grpSpPr>
-      <p:sp>
-        <p:nvSpPr>
-          <p:cNvPr id="2" name="Title Placeholder 1"/>
-          <p:cNvSpPr>
-            <a:spLocks noGrp="1"/>
-          </p:cNvSpPr>
-          <p:nvPr>
-            <p:ph type="title"/>
-          </p:nvPr>
-        </p:nvSpPr>
+      <p:pic>
+        <p:nvPicPr>
+          <p:cNvPr id="7" name="Picture 6" descr="Brickwork-HD-R1a.jpg"/>
+          <p:cNvPicPr>
+            <a:picLocks noChangeAspect="1"/>
+          </p:cNvPicPr>
+          <p:nvPr/>
+        </p:nvPicPr>
+        <p:blipFill>
+          <a:blip r:embed="rId10">
+            <a:extLst>
+              <a:ext uri="{28A0092B-C50C-407E-A947-70E740481C1C}">
+                <a14:useLocalDpi xmlns:a14="http://schemas.microsoft.com/office/drawing/2010/main" val="0"/>
+              </a:ext>
+            </a:extLst>
+          </a:blip>
+          <a:stretch>
+            <a:fillRect/>
+          </a:stretch>
+        </p:blipFill>
         <p:spPr>
           <a:xfrm>
-            <a:off x="838200" y="365125"/>
-            <a:ext cx="10515600" cy="1325563"/>
+            <a:off x="0" y="0"/>
+            <a:ext cx="12192000" cy="6858000"/>
           </a:xfrm>
           <a:prstGeom prst="rect">
             <a:avLst/>
           </a:prstGeom>
         </p:spPr>
+      </p:pic>
+      <p:grpSp>
+        <p:nvGrpSpPr>
+          <p:cNvPr id="10" name="Group 9"/>
+          <p:cNvGrpSpPr/>
+          <p:nvPr/>
+        </p:nvGrpSpPr>
+        <p:grpSpPr>
+          <a:xfrm>
+            <a:off x="-25397" y="0"/>
+            <a:ext cx="12005350" cy="6644081"/>
+            <a:chOff x="-25397" y="0"/>
+            <a:chExt cx="12005350" cy="6644081"/>
+          </a:xfrm>
+        </p:grpSpPr>
+        <p:sp useBgFill="1">
+          <p:nvSpPr>
+            <p:cNvPr id="11" name="Rectangle 10"/>
+            <p:cNvSpPr/>
+            <p:nvPr/>
+          </p:nvSpPr>
+          <p:spPr>
+            <a:xfrm>
+              <a:off x="1" y="0"/>
+              <a:ext cx="11979952" cy="6644081"/>
+            </a:xfrm>
+            <a:prstGeom prst="rect">
+              <a:avLst/>
+            </a:prstGeom>
+            <a:ln>
+              <a:noFill/>
+            </a:ln>
+            <a:effectLst>
+              <a:outerShdw blurRad="98425" dist="76200" dir="4380000" algn="tl" rotWithShape="0">
+                <a:srgbClr val="000000">
+                  <a:alpha val="68000"/>
+                </a:srgbClr>
+              </a:outerShdw>
+            </a:effectLst>
+          </p:spPr>
+          <p:style>
+            <a:lnRef idx="1">
+              <a:schemeClr val="accent1"/>
+            </a:lnRef>
+            <a:fillRef idx="3">
+              <a:schemeClr val="accent1"/>
+            </a:fillRef>
+            <a:effectRef idx="2">
+              <a:schemeClr val="accent1"/>
+            </a:effectRef>
+            <a:fontRef idx="minor">
+              <a:schemeClr val="lt1"/>
+            </a:fontRef>
+          </p:style>
+        </p:sp>
+        <p:sp>
+          <p:nvSpPr>
+            <p:cNvPr id="12" name="Freeform 11"/>
+            <p:cNvSpPr/>
+            <p:nvPr/>
+          </p:nvSpPr>
+          <p:spPr>
+            <a:xfrm>
+              <a:off x="-25397" y="0"/>
+              <a:ext cx="11773291" cy="6419514"/>
+            </a:xfrm>
+            <a:custGeom>
+              <a:avLst/>
+              <a:gdLst/>
+              <a:ahLst/>
+              <a:cxnLst/>
+              <a:rect l="l" t="t" r="r" b="b"/>
+              <a:pathLst>
+                <a:path w="11773291" h="6419514">
+                  <a:moveTo>
+                    <a:pt x="11750059" y="0"/>
+                  </a:moveTo>
+                  <a:lnTo>
+                    <a:pt x="11773291" y="6419514"/>
+                  </a:lnTo>
+                  <a:lnTo>
+                    <a:pt x="0" y="6411047"/>
+                  </a:lnTo>
+                </a:path>
+              </a:pathLst>
+            </a:custGeom>
+            <a:ln w="82550">
+              <a:solidFill>
+                <a:schemeClr val="tx1">
+                  <a:lumMod val="50000"/>
+                  <a:lumOff val="50000"/>
+                </a:schemeClr>
+              </a:solidFill>
+              <a:miter lim="800000"/>
+            </a:ln>
+          </p:spPr>
+          <p:style>
+            <a:lnRef idx="2">
+              <a:schemeClr val="accent1"/>
+            </a:lnRef>
+            <a:fillRef idx="0">
+              <a:schemeClr val="accent1"/>
+            </a:fillRef>
+            <a:effectRef idx="1">
+              <a:schemeClr val="accent1"/>
+            </a:effectRef>
+            <a:fontRef idx="minor">
+              <a:schemeClr val="tx1"/>
+            </a:fontRef>
+          </p:style>
+        </p:sp>
+        <p:sp>
+          <p:nvSpPr>
+            <p:cNvPr id="13" name="Rectangle 12"/>
+            <p:cNvSpPr/>
+            <p:nvPr/>
+          </p:nvSpPr>
+          <p:spPr>
+            <a:xfrm>
+              <a:off x="1" y="5600215"/>
+              <a:ext cx="11706512" cy="780581"/>
+            </a:xfrm>
+            <a:prstGeom prst="rect">
+              <a:avLst/>
+            </a:prstGeom>
+            <a:gradFill flip="none" rotWithShape="1">
+              <a:gsLst>
+                <a:gs pos="34000">
+                  <a:schemeClr val="accent1"/>
+                </a:gs>
+                <a:gs pos="100000">
+                  <a:schemeClr val="accent1">
+                    <a:lumMod val="50000"/>
+                  </a:schemeClr>
+                </a:gs>
+              </a:gsLst>
+              <a:path path="circle">
+                <a:fillToRect l="50000" t="50000" r="50000" b="50000"/>
+              </a:path>
+              <a:tileRect/>
+            </a:gradFill>
+            <a:ln>
+              <a:noFill/>
+            </a:ln>
+          </p:spPr>
+          <p:style>
+            <a:lnRef idx="1">
+              <a:schemeClr val="accent1"/>
+            </a:lnRef>
+            <a:fillRef idx="3">
+              <a:schemeClr val="accent1"/>
+            </a:fillRef>
+            <a:effectRef idx="2">
+              <a:schemeClr val="accent1"/>
+            </a:effectRef>
+            <a:fontRef idx="minor">
+              <a:schemeClr val="lt1"/>
+            </a:fontRef>
+          </p:style>
+        </p:sp>
+      </p:grpSp>
+      <p:sp>
+        <p:nvSpPr>
+          <p:cNvPr id="2" name="Title Placeholder 1"/>
+          <p:cNvSpPr>
+            <a:spLocks noGrp="1"/>
+          </p:cNvSpPr>
+          <p:nvPr>
+            <p:ph type="title"/>
+          </p:nvPr>
+        </p:nvSpPr>
+        <p:spPr>
+          <a:xfrm>
+            <a:off x="685801" y="685800"/>
+            <a:ext cx="10396882" cy="1151965"/>
+          </a:xfrm>
+          <a:prstGeom prst="rect">
+            <a:avLst/>
+          </a:prstGeom>
+        </p:spPr>
         <p:txBody>
           <a:bodyPr vert="horz" lIns="91440" tIns="45720" rIns="91440" bIns="45720" rtlCol="0" anchor="ctr">
             <a:normAutofit/>
@@ -1503,10 +2369,10 @@
           <a:lstStyle/>
           <a:p>
             <a:r>
-              <a:rPr lang="en-US"/>
+              <a:rPr lang="en-US" dirty="0" smtClean="0"/>
               <a:t>Click to edit Master title style</a:t>
             </a:r>
-            <a:endParaRPr lang="en-IN"/>
+            <a:endParaRPr lang="en-US" dirty="0"/>
           </a:p>
         </p:txBody>
       </p:sp>
@@ -1522,53 +2388,53 @@
         </p:nvSpPr>
         <p:spPr>
           <a:xfrm>
-            <a:off x="838200" y="1825625"/>
-            <a:ext cx="10515600" cy="4351338"/>
+            <a:off x="685800" y="2063396"/>
+            <a:ext cx="10396883" cy="3311189"/>
           </a:xfrm>
           <a:prstGeom prst="rect">
             <a:avLst/>
           </a:prstGeom>
         </p:spPr>
         <p:txBody>
-          <a:bodyPr vert="horz" lIns="91440" tIns="45720" rIns="91440" bIns="45720" rtlCol="0">
+          <a:bodyPr vert="horz" lIns="91440" tIns="45720" rIns="91440" bIns="45720" rtlCol="0" anchor="t">
             <a:normAutofit/>
           </a:bodyPr>
           <a:lstStyle/>
           <a:p>
             <a:pPr lvl="0"/>
             <a:r>
-              <a:rPr lang="en-US"/>
+              <a:rPr lang="en-US" dirty="0" smtClean="0"/>
               <a:t>Click to edit Master text styles</a:t>
             </a:r>
           </a:p>
           <a:p>
             <a:pPr lvl="1"/>
             <a:r>
-              <a:rPr lang="en-US"/>
+              <a:rPr lang="en-US" dirty="0" smtClean="0"/>
               <a:t>Second level</a:t>
             </a:r>
           </a:p>
           <a:p>
             <a:pPr lvl="2"/>
             <a:r>
-              <a:rPr lang="en-US"/>
+              <a:rPr lang="en-US" dirty="0" smtClean="0"/>
               <a:t>Third level</a:t>
             </a:r>
           </a:p>
           <a:p>
             <a:pPr lvl="3"/>
             <a:r>
-              <a:rPr lang="en-US"/>
+              <a:rPr lang="en-US" dirty="0" smtClean="0"/>
               <a:t>Fourth level</a:t>
             </a:r>
           </a:p>
           <a:p>
             <a:pPr lvl="4"/>
             <a:r>
-              <a:rPr lang="en-US"/>
+              <a:rPr lang="en-US" dirty="0" smtClean="0"/>
               <a:t>Fifth level</a:t>
             </a:r>
-            <a:endParaRPr lang="en-IN"/>
+            <a:endParaRPr lang="en-US" dirty="0"/>
           </a:p>
         </p:txBody>
       </p:sp>
@@ -1584,8 +2450,8 @@
         </p:nvSpPr>
         <p:spPr>
           <a:xfrm>
-            <a:off x="838200" y="6356350"/>
-            <a:ext cx="2743200" cy="365125"/>
+            <a:off x="7298083" y="5757334"/>
+            <a:ext cx="3784600" cy="498470"/>
           </a:xfrm>
           <a:prstGeom prst="rect">
             <a:avLst/>
@@ -1594,22 +2460,22 @@
         <p:txBody>
           <a:bodyPr vert="horz" lIns="91440" tIns="45720" rIns="91440" bIns="45720" rtlCol="0" anchor="ctr"/>
           <a:lstStyle>
-            <a:lvl1pPr algn="l">
-              <a:defRPr sz="1200">
+            <a:lvl1pPr algn="r">
+              <a:defRPr sz="3200" cap="all" baseline="0">
                 <a:solidFill>
-                  <a:schemeClr val="tx1">
-                    <a:tint val="75000"/>
+                  <a:schemeClr val="accent1">
+                    <a:lumMod val="50000"/>
                   </a:schemeClr>
                 </a:solidFill>
               </a:defRPr>
             </a:lvl1pPr>
           </a:lstStyle>
           <a:p>
-            <a:fld id="{AD297C59-FAA3-46F7-9C05-BDDE7360587E}" type="datetimeFigureOut">
-              <a:rPr lang="en-IN" smtClean="0"/>
-              <a:t>13-06-2021</a:t>
+            <a:fld id="{63A1C593-65D0-4073-BCC9-577B9352EA97}" type="datetimeFigureOut">
+              <a:rPr lang="en-US" smtClean="0"/>
+              <a:t>6/30/2021</a:t>
             </a:fld>
-            <a:endParaRPr lang="en-IN"/>
+            <a:endParaRPr lang="en-US"/>
           </a:p>
         </p:txBody>
       </p:sp>
@@ -1625,8 +2491,8 @@
         </p:nvSpPr>
         <p:spPr>
           <a:xfrm>
-            <a:off x="4038600" y="6356350"/>
-            <a:ext cx="4114800" cy="365125"/>
+            <a:off x="685801" y="5757334"/>
+            <a:ext cx="5499719" cy="498470"/>
           </a:xfrm>
           <a:prstGeom prst="rect">
             <a:avLst/>
@@ -1635,18 +2501,18 @@
         <p:txBody>
           <a:bodyPr vert="horz" lIns="91440" tIns="45720" rIns="91440" bIns="45720" rtlCol="0" anchor="ctr"/>
           <a:lstStyle>
-            <a:lvl1pPr algn="ctr">
-              <a:defRPr sz="1200">
+            <a:lvl1pPr algn="l">
+              <a:defRPr sz="3200" cap="all" baseline="0">
                 <a:solidFill>
-                  <a:schemeClr val="tx1">
-                    <a:tint val="75000"/>
+                  <a:schemeClr val="accent1">
+                    <a:lumMod val="50000"/>
                   </a:schemeClr>
                 </a:solidFill>
               </a:defRPr>
             </a:lvl1pPr>
           </a:lstStyle>
           <a:p>
-            <a:endParaRPr lang="en-IN"/>
+            <a:endParaRPr lang="en-US"/>
           </a:p>
         </p:txBody>
       </p:sp>
@@ -1662,8 +2528,8 @@
         </p:nvSpPr>
         <p:spPr>
           <a:xfrm>
-            <a:off x="8610600" y="6356350"/>
-            <a:ext cx="2743200" cy="365125"/>
+            <a:off x="6287121" y="5757334"/>
+            <a:ext cx="907186" cy="498470"/>
           </a:xfrm>
           <a:prstGeom prst="rect">
             <a:avLst/>
@@ -1672,44 +2538,46 @@
         <p:txBody>
           <a:bodyPr vert="horz" lIns="91440" tIns="45720" rIns="91440" bIns="45720" rtlCol="0" anchor="ctr"/>
           <a:lstStyle>
-            <a:lvl1pPr algn="r">
-              <a:defRPr sz="1200">
+            <a:lvl1pPr algn="ctr">
+              <a:defRPr sz="3200" cap="all" baseline="0">
                 <a:solidFill>
-                  <a:schemeClr val="tx1">
-                    <a:tint val="75000"/>
+                  <a:schemeClr val="accent1">
+                    <a:lumMod val="50000"/>
                   </a:schemeClr>
                 </a:solidFill>
               </a:defRPr>
             </a:lvl1pPr>
           </a:lstStyle>
           <a:p>
-            <a:fld id="{6B26FFDB-5C59-430C-B756-0C546AF38021}" type="slidenum">
-              <a:rPr lang="en-IN" smtClean="0"/>
+            <a:fld id="{9B618960-8005-486C-9A75-10CB2AAC16F9}" type="slidenum">
+              <a:rPr lang="en-US" smtClean="0"/>
               <a:t>‹#›</a:t>
             </a:fld>
-            <a:endParaRPr lang="en-IN"/>
+            <a:endParaRPr lang="en-US"/>
           </a:p>
         </p:txBody>
       </p:sp>
     </p:spTree>
     <p:extLst>
       <p:ext uri="{BB962C8B-B14F-4D97-AF65-F5344CB8AC3E}">
-        <p14:creationId xmlns:p14="http://schemas.microsoft.com/office/powerpoint/2010/main" val="752657877"/>
+        <p14:creationId xmlns:p14="http://schemas.microsoft.com/office/powerpoint/2010/main" val="1101301793"/>
       </p:ext>
     </p:extLst>
   </p:cSld>
   <p:clrMap bg1="lt1" tx1="dk1" bg2="lt2" tx2="dk2" accent1="accent1" accent2="accent2" accent3="accent3" accent4="accent4" accent5="accent5" accent6="accent6" hlink="hlink" folHlink="folHlink"/>
   <p:sldLayoutIdLst>
-    <p:sldLayoutId id="2147483649" r:id="rId1"/>
-    <p:sldLayoutId id="2147483650" r:id="rId2"/>
-    <p:sldLayoutId id="2147483652" r:id="rId3"/>
-    <p:sldLayoutId id="2147483654" r:id="rId4"/>
-    <p:sldLayoutId id="2147483657" r:id="rId5"/>
-    <p:sldLayoutId id="2147483659" r:id="rId6"/>
+    <p:sldLayoutId id="2147483744" r:id="rId1"/>
+    <p:sldLayoutId id="2147483745" r:id="rId2"/>
+    <p:sldLayoutId id="2147483746" r:id="rId3"/>
+    <p:sldLayoutId id="2147483747" r:id="rId4"/>
+    <p:sldLayoutId id="2147483748" r:id="rId5"/>
+    <p:sldLayoutId id="2147483749" r:id="rId6"/>
+    <p:sldLayoutId id="2147483750" r:id="rId7"/>
+    <p:sldLayoutId id="2147483751" r:id="rId8"/>
   </p:sldLayoutIdLst>
   <p:txStyles>
     <p:titleStyle>
-      <a:lvl1pPr algn="l" defTabSz="914400" rtl="0" eaLnBrk="1" latinLnBrk="0" hangingPunct="1">
+      <a:lvl1pPr algn="ctr" defTabSz="914400" rtl="0" eaLnBrk="1" latinLnBrk="0" hangingPunct="1">
         <a:lnSpc>
           <a:spcPct val="90000"/>
         </a:lnSpc>
@@ -1717,10 +2585,11 @@
           <a:spcPct val="0"/>
         </a:spcBef>
         <a:buNone/>
-        <a:defRPr sz="4400" kern="1200">
+        <a:defRPr sz="5400" kern="1200" cap="all" baseline="0">
           <a:solidFill>
-            <a:schemeClr val="tx1"/>
+            <a:schemeClr val="accent1"/>
           </a:solidFill>
+          <a:effectLst/>
           <a:latin typeface="+mj-lt"/>
           <a:ea typeface="+mj-ea"/>
           <a:cs typeface="+mj-cs"/>
@@ -1730,17 +2599,22 @@
     <p:bodyStyle>
       <a:lvl1pPr marL="228600" indent="-228600" algn="l" defTabSz="914400" rtl="0" eaLnBrk="1" latinLnBrk="0" hangingPunct="1">
         <a:lnSpc>
-          <a:spcPct val="90000"/>
+          <a:spcPct val="120000"/>
         </a:lnSpc>
         <a:spcBef>
           <a:spcPts val="1000"/>
         </a:spcBef>
+        <a:buClr>
+          <a:schemeClr val="accent1"/>
+        </a:buClr>
+        <a:buSzPct val="160000"/>
         <a:buFont typeface="Arial" panose="020B0604020202020204" pitchFamily="34" charset="0"/>
         <a:buChar char="•"/>
-        <a:defRPr sz="2800" kern="1200">
+        <a:defRPr sz="2000" kern="1200" cap="all" baseline="0">
           <a:solidFill>
             <a:schemeClr val="tx1"/>
           </a:solidFill>
+          <a:effectLst/>
           <a:latin typeface="+mn-lt"/>
           <a:ea typeface="+mn-ea"/>
           <a:cs typeface="+mn-cs"/>
@@ -1748,17 +2622,22 @@
       </a:lvl1pPr>
       <a:lvl2pPr marL="685800" indent="-228600" algn="l" defTabSz="914400" rtl="0" eaLnBrk="1" latinLnBrk="0" hangingPunct="1">
         <a:lnSpc>
-          <a:spcPct val="90000"/>
+          <a:spcPct val="120000"/>
         </a:lnSpc>
         <a:spcBef>
           <a:spcPts val="500"/>
         </a:spcBef>
+        <a:buClr>
+          <a:schemeClr val="accent1"/>
+        </a:buClr>
+        <a:buSzPct val="160000"/>
         <a:buFont typeface="Arial" panose="020B0604020202020204" pitchFamily="34" charset="0"/>
         <a:buChar char="•"/>
-        <a:defRPr sz="2400" kern="1200">
+        <a:defRPr sz="1800" kern="1200" cap="all" baseline="0">
           <a:solidFill>
             <a:schemeClr val="tx1"/>
           </a:solidFill>
+          <a:effectLst/>
           <a:latin typeface="+mn-lt"/>
           <a:ea typeface="+mn-ea"/>
           <a:cs typeface="+mn-cs"/>
@@ -1766,17 +2645,22 @@
       </a:lvl2pPr>
       <a:lvl3pPr marL="1143000" indent="-228600" algn="l" defTabSz="914400" rtl="0" eaLnBrk="1" latinLnBrk="0" hangingPunct="1">
         <a:lnSpc>
-          <a:spcPct val="90000"/>
+          <a:spcPct val="120000"/>
         </a:lnSpc>
         <a:spcBef>
           <a:spcPts val="500"/>
         </a:spcBef>
+        <a:buClr>
+          <a:schemeClr val="accent1"/>
+        </a:buClr>
+        <a:buSzPct val="160000"/>
         <a:buFont typeface="Arial" panose="020B0604020202020204" pitchFamily="34" charset="0"/>
         <a:buChar char="•"/>
-        <a:defRPr sz="2000" kern="1200">
+        <a:defRPr sz="1600" kern="1200" cap="all" baseline="0">
           <a:solidFill>
             <a:schemeClr val="tx1"/>
           </a:solidFill>
+          <a:effectLst/>
           <a:latin typeface="+mn-lt"/>
           <a:ea typeface="+mn-ea"/>
           <a:cs typeface="+mn-cs"/>
@@ -1784,17 +2668,22 @@
       </a:lvl3pPr>
       <a:lvl4pPr marL="1600200" indent="-228600" algn="l" defTabSz="914400" rtl="0" eaLnBrk="1" latinLnBrk="0" hangingPunct="1">
         <a:lnSpc>
-          <a:spcPct val="90000"/>
+          <a:spcPct val="120000"/>
         </a:lnSpc>
         <a:spcBef>
           <a:spcPts val="500"/>
         </a:spcBef>
+        <a:buClr>
+          <a:schemeClr val="accent1"/>
+        </a:buClr>
+        <a:buSzPct val="160000"/>
         <a:buFont typeface="Arial" panose="020B0604020202020204" pitchFamily="34" charset="0"/>
         <a:buChar char="•"/>
-        <a:defRPr sz="1800" kern="1200">
+        <a:defRPr sz="1400" kern="1200" cap="all" baseline="0">
           <a:solidFill>
             <a:schemeClr val="tx1"/>
           </a:solidFill>
+          <a:effectLst/>
           <a:latin typeface="+mn-lt"/>
           <a:ea typeface="+mn-ea"/>
           <a:cs typeface="+mn-cs"/>
@@ -1802,17 +2691,22 @@
       </a:lvl4pPr>
       <a:lvl5pPr marL="2057400" indent="-228600" algn="l" defTabSz="914400" rtl="0" eaLnBrk="1" latinLnBrk="0" hangingPunct="1">
         <a:lnSpc>
-          <a:spcPct val="90000"/>
+          <a:spcPct val="120000"/>
         </a:lnSpc>
         <a:spcBef>
           <a:spcPts val="500"/>
         </a:spcBef>
+        <a:buClr>
+          <a:schemeClr val="accent1"/>
+        </a:buClr>
+        <a:buSzPct val="160000"/>
         <a:buFont typeface="Arial" panose="020B0604020202020204" pitchFamily="34" charset="0"/>
         <a:buChar char="•"/>
-        <a:defRPr sz="1800" kern="1200">
+        <a:defRPr sz="1400" kern="1200" cap="all" baseline="0">
           <a:solidFill>
             <a:schemeClr val="tx1"/>
           </a:solidFill>
+          <a:effectLst/>
           <a:latin typeface="+mn-lt"/>
           <a:ea typeface="+mn-ea"/>
           <a:cs typeface="+mn-cs"/>
@@ -1820,17 +2714,22 @@
       </a:lvl5pPr>
       <a:lvl6pPr marL="2514600" indent="-228600" algn="l" defTabSz="914400" rtl="0" eaLnBrk="1" latinLnBrk="0" hangingPunct="1">
         <a:lnSpc>
-          <a:spcPct val="90000"/>
+          <a:spcPct val="120000"/>
         </a:lnSpc>
         <a:spcBef>
           <a:spcPts val="500"/>
         </a:spcBef>
+        <a:buClr>
+          <a:schemeClr val="accent1"/>
+        </a:buClr>
+        <a:buSzPct val="160000"/>
         <a:buFont typeface="Arial" panose="020B0604020202020204" pitchFamily="34" charset="0"/>
         <a:buChar char="•"/>
-        <a:defRPr sz="1800" kern="1200">
+        <a:defRPr sz="1400" kern="1200" cap="all" baseline="0">
           <a:solidFill>
             <a:schemeClr val="tx1"/>
           </a:solidFill>
+          <a:effectLst/>
           <a:latin typeface="+mn-lt"/>
           <a:ea typeface="+mn-ea"/>
           <a:cs typeface="+mn-cs"/>
@@ -1838,17 +2737,22 @@
       </a:lvl6pPr>
       <a:lvl7pPr marL="2971800" indent="-228600" algn="l" defTabSz="914400" rtl="0" eaLnBrk="1" latinLnBrk="0" hangingPunct="1">
         <a:lnSpc>
-          <a:spcPct val="90000"/>
+          <a:spcPct val="120000"/>
         </a:lnSpc>
         <a:spcBef>
           <a:spcPts val="500"/>
         </a:spcBef>
+        <a:buClr>
+          <a:schemeClr val="accent1"/>
+        </a:buClr>
+        <a:buSzPct val="160000"/>
         <a:buFont typeface="Arial" panose="020B0604020202020204" pitchFamily="34" charset="0"/>
         <a:buChar char="•"/>
-        <a:defRPr sz="1800" kern="1200">
+        <a:defRPr sz="1400" kern="1200" cap="all" baseline="0">
           <a:solidFill>
             <a:schemeClr val="tx1"/>
           </a:solidFill>
+          <a:effectLst/>
           <a:latin typeface="+mn-lt"/>
           <a:ea typeface="+mn-ea"/>
           <a:cs typeface="+mn-cs"/>
@@ -1856,17 +2760,22 @@
       </a:lvl7pPr>
       <a:lvl8pPr marL="3429000" indent="-228600" algn="l" defTabSz="914400" rtl="0" eaLnBrk="1" latinLnBrk="0" hangingPunct="1">
         <a:lnSpc>
-          <a:spcPct val="90000"/>
+          <a:spcPct val="120000"/>
         </a:lnSpc>
         <a:spcBef>
           <a:spcPts val="500"/>
         </a:spcBef>
+        <a:buClr>
+          <a:schemeClr val="accent1"/>
+        </a:buClr>
+        <a:buSzPct val="160000"/>
         <a:buFont typeface="Arial" panose="020B0604020202020204" pitchFamily="34" charset="0"/>
         <a:buChar char="•"/>
-        <a:defRPr sz="1800" kern="1200">
+        <a:defRPr sz="1400" kern="1200" cap="all" baseline="0">
           <a:solidFill>
             <a:schemeClr val="tx1"/>
           </a:solidFill>
+          <a:effectLst/>
           <a:latin typeface="+mn-lt"/>
           <a:ea typeface="+mn-ea"/>
           <a:cs typeface="+mn-cs"/>
@@ -1874,17 +2783,22 @@
       </a:lvl8pPr>
       <a:lvl9pPr marL="3886200" indent="-228600" algn="l" defTabSz="914400" rtl="0" eaLnBrk="1" latinLnBrk="0" hangingPunct="1">
         <a:lnSpc>
-          <a:spcPct val="90000"/>
+          <a:spcPct val="120000"/>
         </a:lnSpc>
         <a:spcBef>
           <a:spcPts val="500"/>
         </a:spcBef>
+        <a:buClr>
+          <a:schemeClr val="accent1"/>
+        </a:buClr>
+        <a:buSzPct val="160000"/>
         <a:buFont typeface="Arial" panose="020B0604020202020204" pitchFamily="34" charset="0"/>
         <a:buChar char="•"/>
-        <a:defRPr sz="1800" kern="1200">
+        <a:defRPr sz="1400" kern="1200" cap="all" baseline="0">
           <a:solidFill>
             <a:schemeClr val="tx1"/>
           </a:solidFill>
+          <a:effectLst/>
           <a:latin typeface="+mn-lt"/>
           <a:ea typeface="+mn-ea"/>
           <a:cs typeface="+mn-cs"/>
@@ -1987,6 +2901,11 @@
       </a:lvl9pPr>
     </p:otherStyle>
   </p:txStyles>
+  <p:extLst>
+    <p:ext uri="{27BBF7A9-308A-43DC-89C8-2F10F3537804}">
+      <p15:sldGuideLst xmlns:p15="http://schemas.microsoft.com/office/powerpoint/2012/main"/>
+    </p:ext>
+  </p:extLst>
 </p:sldMaster>
 </file>
 
@@ -2007,7 +2926,7 @@
             <a:spLocks noGrp="1"/>
           </p:cNvSpPr>
           <p:nvPr>
-            <p:ph type="title"/>
+            <p:ph type="ctrTitle"/>
           </p:nvPr>
         </p:nvSpPr>
         <p:spPr/>
@@ -2016,53 +2935,84 @@
           <a:lstStyle/>
           <a:p>
             <a:r>
-              <a:t>artificial intelligence</a:t>
-            </a:r>
-          </a:p>
-        </p:txBody>
-      </p:sp>
-      <p:pic>
-        <p:nvPicPr>
-          <p:cNvPr id="3" name="Picture Placeholder 2" descr="pic(2).jpg"/>
-          <p:cNvPicPr>
-            <a:picLocks noGrp="1" noChangeAspect="1"/>
-          </p:cNvPicPr>
-          <p:nvPr>
-            <p:ph type="pic" idx="1"/>
-          </p:nvPr>
-        </p:nvPicPr>
-        <p:blipFill>
-          <a:blip r:embed="rId2"/>
-          <a:srcRect b="-15671" t="-15671"/>
-          <a:stretch>
-            <a:fillRect/>
-          </a:stretch>
-        </p:blipFill>
+              <a:t>good morning</a:t>
+            </a:r>
+          </a:p>
+        </p:txBody>
+      </p:sp>
+      <p:sp>
+        <p:nvSpPr>
+          <p:cNvPr id="3" name="Subtitle 2"/>
+          <p:cNvSpPr>
+            <a:spLocks noGrp="1"/>
+          </p:cNvSpPr>
+          <p:nvPr>
+            <p:ph type="subTitle" idx="1"/>
+          </p:nvPr>
+        </p:nvSpPr>
         <p:spPr/>
-      </p:pic>
-      <p:sp>
-        <p:nvSpPr>
-          <p:cNvPr id="4" name="Text Placeholder 3"/>
-          <p:cNvSpPr>
-            <a:spLocks noGrp="1"/>
-          </p:cNvSpPr>
-          <p:nvPr>
-            <p:ph type="body" idx="13" sz="quarter"/>
-          </p:nvPr>
-        </p:nvSpPr>
-        <p:spPr/>
-        <p:txBody>
-          <a:bodyPr/>
-          <a:lstStyle/>
-          <a:p/>
-          <a:p>
-            <a:r>
-              <a:t>artificial intelligence</a:t>
-            </a:r>
-          </a:p>
-          <a:p>
-            <a:r>
-              <a:t>machine learning</a:t>
+        <p:txBody>
+          <a:bodyPr/>
+          <a:lstStyle/>
+          <a:p>
+            <a:r>
+              <a:t>made by group number 15</a:t>
+            </a:r>
+          </a:p>
+        </p:txBody>
+      </p:sp>
+      <p:sp>
+        <p:nvSpPr>
+          <p:cNvPr id="4" name="TextBox 3"/>
+          <p:cNvSpPr txBox="1"/>
+          <p:nvPr/>
+        </p:nvSpPr>
+        <p:spPr>
+          <a:xfrm>
+            <a:off x="11521440" y="274320"/>
+            <a:ext cx="2743200" cy="2743200"/>
+          </a:xfrm>
+          <a:prstGeom prst="rect">
+            <a:avLst/>
+          </a:prstGeom>
+          <a:noFill/>
+        </p:spPr>
+        <p:txBody>
+          <a:bodyPr wrap="none">
+            <a:spAutoFit/>
+          </a:bodyPr>
+          <a:lstStyle/>
+          <a:p>
+            <a:r>
+              <a:t>1</a:t>
+            </a:r>
+          </a:p>
+        </p:txBody>
+      </p:sp>
+      <p:sp>
+        <p:nvSpPr>
+          <p:cNvPr id="5" name="TextBox 4"/>
+          <p:cNvSpPr txBox="1"/>
+          <p:nvPr/>
+        </p:nvSpPr>
+        <p:spPr>
+          <a:xfrm>
+            <a:off x="274320" y="6400800"/>
+            <a:ext cx="2743200" cy="2743200"/>
+          </a:xfrm>
+          <a:prstGeom prst="rect">
+            <a:avLst/>
+          </a:prstGeom>
+          <a:noFill/>
+        </p:spPr>
+        <p:txBody>
+          <a:bodyPr wrap="none">
+            <a:spAutoFit/>
+          </a:bodyPr>
+          <a:lstStyle/>
+          <a:p>
+            <a:r>
+              <a:t>1/7/2021</a:t>
             </a:r>
           </a:p>
         </p:txBody>
@@ -2102,31 +3052,236 @@
           <a:p/>
           <a:p>
             <a:r>
-              <a:t>this is the slide to show the graph</a:t>
-            </a:r>
-          </a:p>
-        </p:txBody>
-      </p:sp>
-      <p:graphicFrame>
-        <p:nvGraphicFramePr>
-          <p:cNvPr id="3" name="Chart Placeholder 2"/>
-          <p:cNvGraphicFramePr>
-            <a:graphicFrameLocks noGrp="1"/>
-          </p:cNvGraphicFramePr>
-          <p:nvPr>
-            <p:ph type="chart" idx="14" sz="quarter"/>
-          </p:nvPr>
-        </p:nvGraphicFramePr>
-        <p:xfrm>
-          <a:off x="5594555" y="944564"/>
-          <a:ext cx="6372020" cy="4895798"/>
-        </p:xfrm>
-        <a:graphic>
-          <a:graphicData uri="http://schemas.openxmlformats.org/drawingml/2006/chart">
-            <c:chart xmlns:c="http://schemas.openxmlformats.org/drawingml/2006/chart" r:id="rId2"/>
-          </a:graphicData>
-        </a:graphic>
-      </p:graphicFrame>
+              <a:rPr sz="4000"/>
+              <a:t>hello</a:t>
+            </a:r>
+          </a:p>
+          <a:p>
+            <a:r>
+              <a:t>how are you</a:t>
+            </a:r>
+          </a:p>
+        </p:txBody>
+      </p:sp>
+      <p:sp>
+        <p:nvSpPr>
+          <p:cNvPr id="3" name="TextBox 2"/>
+          <p:cNvSpPr txBox="1"/>
+          <p:nvPr/>
+        </p:nvSpPr>
+        <p:spPr>
+          <a:xfrm>
+            <a:off x="11521440" y="274320"/>
+            <a:ext cx="2743200" cy="2743200"/>
+          </a:xfrm>
+          <a:prstGeom prst="rect">
+            <a:avLst/>
+          </a:prstGeom>
+          <a:noFill/>
+        </p:spPr>
+        <p:txBody>
+          <a:bodyPr wrap="none">
+            <a:spAutoFit/>
+          </a:bodyPr>
+          <a:lstStyle/>
+          <a:p>
+            <a:r>
+              <a:t>2</a:t>
+            </a:r>
+          </a:p>
+        </p:txBody>
+      </p:sp>
+      <p:sp>
+        <p:nvSpPr>
+          <p:cNvPr id="4" name="TextBox 3"/>
+          <p:cNvSpPr txBox="1"/>
+          <p:nvPr/>
+        </p:nvSpPr>
+        <p:spPr>
+          <a:xfrm>
+            <a:off x="274320" y="6400800"/>
+            <a:ext cx="2743200" cy="2743200"/>
+          </a:xfrm>
+          <a:prstGeom prst="rect">
+            <a:avLst/>
+          </a:prstGeom>
+          <a:noFill/>
+        </p:spPr>
+        <p:txBody>
+          <a:bodyPr wrap="none">
+            <a:spAutoFit/>
+          </a:bodyPr>
+          <a:lstStyle/>
+          <a:p>
+            <a:r>
+              <a:t>1/7/2021</a:t>
+            </a:r>
+          </a:p>
+        </p:txBody>
+      </p:sp>
+      <p:sp>
+        <p:nvSpPr>
+          <p:cNvPr id="5" name="TextBox 4"/>
+          <p:cNvSpPr txBox="1"/>
+          <p:nvPr/>
+        </p:nvSpPr>
+        <p:spPr>
+          <a:xfrm>
+            <a:off x="4846320" y="6400800"/>
+            <a:ext cx="2743200" cy="2743200"/>
+          </a:xfrm>
+          <a:prstGeom prst="rect">
+            <a:avLst/>
+          </a:prstGeom>
+          <a:noFill/>
+        </p:spPr>
+        <p:txBody>
+          <a:bodyPr wrap="none">
+            <a:spAutoFit/>
+          </a:bodyPr>
+          <a:lstStyle/>
+          <a:p>
+            <a:r>
+              <a:t>good morning</a:t>
+            </a:r>
+          </a:p>
+        </p:txBody>
+      </p:sp>
+    </p:spTree>
+  </p:cSld>
+  <p:clrMapOvr>
+    <a:masterClrMapping/>
+  </p:clrMapOvr>
+</p:sld>
+</file>
+
+<file path=ppt/slides/slide3.xml><?xml version="1.0" encoding="utf-8"?>
+<p:sld xmlns:a="http://schemas.openxmlformats.org/drawingml/2006/main" xmlns:p="http://schemas.openxmlformats.org/presentationml/2006/main" xmlns:r="http://schemas.openxmlformats.org/officeDocument/2006/relationships">
+  <p:cSld>
+    <p:spTree>
+      <p:nvGrpSpPr>
+        <p:cNvPr id="1" name=""/>
+        <p:cNvGrpSpPr/>
+        <p:nvPr/>
+      </p:nvGrpSpPr>
+      <p:grpSpPr/>
+      <p:sp>
+        <p:nvSpPr>
+          <p:cNvPr id="2" name="Title 1"/>
+          <p:cNvSpPr>
+            <a:spLocks noGrp="1"/>
+          </p:cNvSpPr>
+          <p:nvPr>
+            <p:ph type="title"/>
+          </p:nvPr>
+        </p:nvSpPr>
+        <p:spPr/>
+        <p:txBody>
+          <a:bodyPr/>
+          <a:lstStyle/>
+          <a:p>
+            <a:r>
+              <a:t>abraham lincoln</a:t>
+            </a:r>
+          </a:p>
+        </p:txBody>
+      </p:sp>
+      <p:sp>
+        <p:nvSpPr>
+          <p:cNvPr id="3" name="Picture Placeholder 2"/>
+          <p:cNvSpPr>
+            <a:spLocks noGrp="1"/>
+          </p:cNvSpPr>
+          <p:nvPr>
+            <p:ph type="pic" idx="1"/>
+          </p:nvPr>
+        </p:nvSpPr>
+        <p:spPr/>
+      </p:sp>
+      <p:sp>
+        <p:nvSpPr>
+          <p:cNvPr id="4" name="TextBox 3"/>
+          <p:cNvSpPr txBox="1"/>
+          <p:nvPr/>
+        </p:nvSpPr>
+        <p:spPr>
+          <a:xfrm>
+            <a:off x="11521440" y="274320"/>
+            <a:ext cx="2743200" cy="2743200"/>
+          </a:xfrm>
+          <a:prstGeom prst="rect">
+            <a:avLst/>
+          </a:prstGeom>
+          <a:noFill/>
+        </p:spPr>
+        <p:txBody>
+          <a:bodyPr wrap="none">
+            <a:spAutoFit/>
+          </a:bodyPr>
+          <a:lstStyle/>
+          <a:p>
+            <a:r>
+              <a:t>3</a:t>
+            </a:r>
+          </a:p>
+        </p:txBody>
+      </p:sp>
+      <p:sp>
+        <p:nvSpPr>
+          <p:cNvPr id="5" name="TextBox 4"/>
+          <p:cNvSpPr txBox="1"/>
+          <p:nvPr/>
+        </p:nvSpPr>
+        <p:spPr>
+          <a:xfrm>
+            <a:off x="274320" y="6400800"/>
+            <a:ext cx="2743200" cy="2743200"/>
+          </a:xfrm>
+          <a:prstGeom prst="rect">
+            <a:avLst/>
+          </a:prstGeom>
+          <a:noFill/>
+        </p:spPr>
+        <p:txBody>
+          <a:bodyPr wrap="none">
+            <a:spAutoFit/>
+          </a:bodyPr>
+          <a:lstStyle/>
+          <a:p>
+            <a:r>
+              <a:t>1/7/2021</a:t>
+            </a:r>
+          </a:p>
+        </p:txBody>
+      </p:sp>
+      <p:sp>
+        <p:nvSpPr>
+          <p:cNvPr id="6" name="TextBox 5"/>
+          <p:cNvSpPr txBox="1"/>
+          <p:nvPr/>
+        </p:nvSpPr>
+        <p:spPr>
+          <a:xfrm>
+            <a:off x="4846320" y="6400800"/>
+            <a:ext cx="2743200" cy="2743200"/>
+          </a:xfrm>
+          <a:prstGeom prst="rect">
+            <a:avLst/>
+          </a:prstGeom>
+          <a:noFill/>
+        </p:spPr>
+        <p:txBody>
+          <a:bodyPr wrap="none">
+            <a:spAutoFit/>
+          </a:bodyPr>
+          <a:lstStyle/>
+          <a:p>
+            <a:r>
+              <a:t>good morning</a:t>
+            </a:r>
+          </a:p>
+        </p:txBody>
+      </p:sp>
     </p:spTree>
   </p:cSld>
   <p:clrMapOvr>
@@ -2136,9 +3291,9 @@
 </file>
 
 <file path=ppt/theme/theme1.xml><?xml version="1.0" encoding="utf-8"?>
-<a:theme xmlns:a="http://schemas.openxmlformats.org/drawingml/2006/main" name="Office Theme">
+<a:theme xmlns:a="http://schemas.openxmlformats.org/drawingml/2006/main" name="Main Event">
   <a:themeElements>
-    <a:clrScheme name="Office">
+    <a:clrScheme name="Main Event">
       <a:dk1>
         <a:sysClr val="windowText" lastClr="000000"/>
       </a:dk1>
@@ -2146,39 +3301,39 @@
         <a:sysClr val="window" lastClr="FFFFFF"/>
       </a:lt1>
       <a:dk2>
-        <a:srgbClr val="44546A"/>
+        <a:srgbClr val="424242"/>
       </a:dk2>
       <a:lt2>
-        <a:srgbClr val="E7E6E6"/>
+        <a:srgbClr val="C8C8C8"/>
       </a:lt2>
       <a:accent1>
-        <a:srgbClr val="5B9BD5"/>
+        <a:srgbClr val="B80E0F"/>
       </a:accent1>
       <a:accent2>
-        <a:srgbClr val="ED7D31"/>
+        <a:srgbClr val="A6987D"/>
       </a:accent2>
       <a:accent3>
-        <a:srgbClr val="A5A5A5"/>
+        <a:srgbClr val="7F9A71"/>
       </a:accent3>
       <a:accent4>
-        <a:srgbClr val="FFC000"/>
+        <a:srgbClr val="64969F"/>
       </a:accent4>
       <a:accent5>
-        <a:srgbClr val="4472C4"/>
+        <a:srgbClr val="9B75B2"/>
       </a:accent5>
       <a:accent6>
-        <a:srgbClr val="70AD47"/>
+        <a:srgbClr val="80737A"/>
       </a:accent6>
       <a:hlink>
-        <a:srgbClr val="0563C1"/>
+        <a:srgbClr val="F21213"/>
       </a:hlink>
       <a:folHlink>
-        <a:srgbClr val="954F72"/>
+        <a:srgbClr val="B6A394"/>
       </a:folHlink>
     </a:clrScheme>
-    <a:fontScheme name="Office">
+    <a:fontScheme name="Main Event">
       <a:majorFont>
-        <a:latin typeface="Calibri Light" panose="020F0302020204030204"/>
+        <a:latin typeface="Impact" panose="020B0806030902050204"/>
         <a:ea typeface=""/>
         <a:cs typeface=""/>
         <a:font script="Jpan" typeface="ＭＳ Ｐゴシック"/>
@@ -2213,7 +3368,7 @@
         <a:font script="Geor" typeface="Sylfaen"/>
       </a:majorFont>
       <a:minorFont>
-        <a:latin typeface="Calibri" panose="020F0502020204030204"/>
+        <a:latin typeface="Impact" panose="020B0806030902050204"/>
         <a:ea typeface=""/>
         <a:cs typeface=""/>
         <a:font script="Jpan" typeface="ＭＳ Ｐゴシック"/>
@@ -2248,85 +3403,51 @@
         <a:font script="Geor" typeface="Sylfaen"/>
       </a:minorFont>
     </a:fontScheme>
-    <a:fmtScheme name="Office">
+    <a:fmtScheme name="Main Event">
       <a:fillStyleLst>
         <a:solidFill>
           <a:schemeClr val="phClr"/>
         </a:solidFill>
-        <a:gradFill rotWithShape="1">
-          <a:gsLst>
-            <a:gs pos="0">
+        <a:solidFill>
+          <a:schemeClr val="phClr">
+            <a:tint val="69000"/>
+            <a:satMod val="105000"/>
+            <a:lumMod val="110000"/>
+          </a:schemeClr>
+        </a:solidFill>
+        <a:blipFill>
+          <a:blip xmlns:r="http://schemas.openxmlformats.org/officeDocument/2006/relationships" r:embed="rId1">
+            <a:duotone>
               <a:schemeClr val="phClr">
-                <a:lumMod val="110000"/>
-                <a:satMod val="105000"/>
-                <a:tint val="67000"/>
+                <a:shade val="88000"/>
+                <a:lumMod val="88000"/>
               </a:schemeClr>
-            </a:gs>
-            <a:gs pos="50000">
-              <a:schemeClr val="phClr">
-                <a:lumMod val="105000"/>
-                <a:satMod val="103000"/>
-                <a:tint val="73000"/>
-              </a:schemeClr>
-            </a:gs>
-            <a:gs pos="100000">
-              <a:schemeClr val="phClr">
-                <a:lumMod val="105000"/>
-                <a:satMod val="109000"/>
-                <a:tint val="81000"/>
-              </a:schemeClr>
-            </a:gs>
-          </a:gsLst>
-          <a:lin ang="5400000" scaled="0"/>
-        </a:gradFill>
-        <a:gradFill rotWithShape="1">
-          <a:gsLst>
-            <a:gs pos="0">
-              <a:schemeClr val="phClr">
-                <a:satMod val="103000"/>
-                <a:lumMod val="102000"/>
-                <a:tint val="94000"/>
-              </a:schemeClr>
-            </a:gs>
-            <a:gs pos="50000">
-              <a:schemeClr val="phClr">
-                <a:satMod val="110000"/>
-                <a:lumMod val="100000"/>
-                <a:shade val="100000"/>
-              </a:schemeClr>
-            </a:gs>
-            <a:gs pos="100000">
-              <a:schemeClr val="phClr">
-                <a:lumMod val="99000"/>
-                <a:satMod val="120000"/>
-                <a:shade val="78000"/>
-              </a:schemeClr>
-            </a:gs>
-          </a:gsLst>
-          <a:lin ang="5400000" scaled="0"/>
-        </a:gradFill>
+              <a:schemeClr val="phClr"/>
+            </a:duotone>
+          </a:blip>
+          <a:tile tx="0" ty="0" sx="100000" sy="100000" flip="none" algn="tl"/>
+        </a:blipFill>
       </a:fillStyleLst>
       <a:lnStyleLst>
-        <a:ln w="6350" cap="flat" cmpd="sng" algn="ctr">
+        <a:ln w="9525" cap="flat" cmpd="sng" algn="ctr">
           <a:solidFill>
-            <a:schemeClr val="phClr"/>
+            <a:schemeClr val="phClr">
+              <a:shade val="60000"/>
+            </a:schemeClr>
           </a:solidFill>
           <a:prstDash val="solid"/>
-          <a:miter lim="800000"/>
-        </a:ln>
-        <a:ln w="12700" cap="flat" cmpd="sng" algn="ctr">
-          <a:solidFill>
-            <a:schemeClr val="phClr"/>
-          </a:solidFill>
-          <a:prstDash val="solid"/>
-          <a:miter lim="800000"/>
         </a:ln>
         <a:ln w="19050" cap="flat" cmpd="sng" algn="ctr">
           <a:solidFill>
             <a:schemeClr val="phClr"/>
           </a:solidFill>
           <a:prstDash val="solid"/>
-          <a:miter lim="800000"/>
+        </a:ln>
+        <a:ln w="25400" cap="flat" cmpd="sng" algn="ctr">
+          <a:solidFill>
+            <a:schemeClr val="phClr"/>
+          </a:solidFill>
+          <a:prstDash val="solid"/>
         </a:ln>
       </a:lnStyleLst>
       <a:effectStyleLst>
@@ -2338,9 +3459,9 @@
         </a:effectStyle>
         <a:effectStyle>
           <a:effectLst>
-            <a:outerShdw blurRad="57150" dist="19050" dir="5400000" algn="ctr" rotWithShape="0">
+            <a:outerShdw blurRad="25400" dist="12700" dir="5400000" rotWithShape="0">
               <a:srgbClr val="000000">
-                <a:alpha val="63000"/>
+                <a:alpha val="60000"/>
               </a:srgbClr>
             </a:outerShdw>
           </a:effectLst>
@@ -2350,39 +3471,39 @@
         <a:solidFill>
           <a:schemeClr val="phClr"/>
         </a:solidFill>
-        <a:solidFill>
-          <a:schemeClr val="phClr">
-            <a:tint val="95000"/>
-            <a:satMod val="170000"/>
-          </a:schemeClr>
-        </a:solidFill>
         <a:gradFill rotWithShape="1">
           <a:gsLst>
             <a:gs pos="0">
               <a:schemeClr val="phClr">
-                <a:tint val="93000"/>
-                <a:satMod val="150000"/>
-                <a:shade val="98000"/>
-                <a:lumMod val="102000"/>
-              </a:schemeClr>
-            </a:gs>
-            <a:gs pos="50000">
-              <a:schemeClr val="phClr">
-                <a:tint val="98000"/>
-                <a:satMod val="130000"/>
-                <a:shade val="90000"/>
-                <a:lumMod val="103000"/>
+                <a:tint val="90000"/>
+                <a:lumMod val="110000"/>
               </a:schemeClr>
             </a:gs>
             <a:gs pos="100000">
               <a:schemeClr val="phClr">
-                <a:shade val="63000"/>
-                <a:satMod val="120000"/>
+                <a:shade val="88000"/>
+                <a:lumMod val="88000"/>
               </a:schemeClr>
             </a:gs>
           </a:gsLst>
           <a:lin ang="5400000" scaled="0"/>
         </a:gradFill>
+        <a:blipFill>
+          <a:blip xmlns:r="http://schemas.openxmlformats.org/officeDocument/2006/relationships" r:embed="rId2">
+            <a:duotone>
+              <a:schemeClr val="phClr">
+                <a:shade val="48000"/>
+                <a:satMod val="110000"/>
+                <a:lumMod val="40000"/>
+              </a:schemeClr>
+              <a:schemeClr val="phClr">
+                <a:tint val="90000"/>
+                <a:lumMod val="106000"/>
+              </a:schemeClr>
+            </a:duotone>
+          </a:blip>
+          <a:stretch/>
+        </a:blipFill>
       </a:bgFillStyleLst>
     </a:fmtScheme>
   </a:themeElements>
@@ -2390,7 +3511,7 @@
   <a:extraClrSchemeLst/>
   <a:extLst>
     <a:ext uri="{05A4C25C-085E-4340-85A3-A5531E510DB2}">
-      <thm15:themeFamily xmlns:thm15="http://schemas.microsoft.com/office/thememl/2012/main" name="Office Theme" id="{62F939B6-93AF-4DB8-9C6B-D6C7DFDC589F}" vid="{4A3C46E8-61CC-4603-A589-7422A47A8E4A}"/>
+      <thm15:themeFamily xmlns:thm15="http://schemas.microsoft.com/office/thememl/2012/main" name="Main Event" id="{AC372BB4-D83D-411E-B849-B641926BA760}" vid="{F1EFBDE3-1A95-4E3D-81AD-1F53D65BEA01}"/>
     </a:ext>
   </a:extLst>
 </a:theme>
